--- a/演示.pptx
+++ b/演示.pptx
@@ -5,17 +5,19 @@
     <p:sldMasterId id="2147483648" r:id="rId1"/>
   </p:sldMasterIdLst>
   <p:notesMasterIdLst>
-    <p:notesMasterId r:id="rId10"/>
+    <p:notesMasterId r:id="rId12"/>
   </p:notesMasterIdLst>
   <p:sldIdLst>
     <p:sldId id="259" r:id="rId2"/>
     <p:sldId id="278" r:id="rId3"/>
-    <p:sldId id="274" r:id="rId4"/>
-    <p:sldId id="290" r:id="rId5"/>
-    <p:sldId id="292" r:id="rId6"/>
-    <p:sldId id="273" r:id="rId7"/>
-    <p:sldId id="291" r:id="rId8"/>
-    <p:sldId id="272" r:id="rId9"/>
+    <p:sldId id="294" r:id="rId4"/>
+    <p:sldId id="274" r:id="rId5"/>
+    <p:sldId id="290" r:id="rId6"/>
+    <p:sldId id="292" r:id="rId7"/>
+    <p:sldId id="273" r:id="rId8"/>
+    <p:sldId id="293" r:id="rId9"/>
+    <p:sldId id="291" r:id="rId10"/>
+    <p:sldId id="272" r:id="rId11"/>
   </p:sldIdLst>
   <p:sldSz cx="12192000" cy="6858000"/>
   <p:notesSz cx="6858000" cy="9144000"/>
@@ -230,7 +232,7 @@
           <a:p>
             <a:fld id="{526E8A47-3D46-4DC9-AB0D-52AB6CF44A06}" type="datetimeFigureOut">
               <a:rPr lang="zh-CN" altLang="en-US" smtClean="0"/>
-              <a:t>2019/1/7 Monday</a:t>
+              <a:t>2019/1/8 Tuesday</a:t>
             </a:fld>
             <a:endParaRPr lang="zh-CN" altLang="en-US"/>
           </a:p>
@@ -1421,14 +1423,18 @@
             <a:r>
               <a:rPr lang="zh-CN" altLang="en-US" sz="1400" dirty="0">
                 <a:solidFill>
-                  <a:schemeClr val="tx1"/>
+                  <a:schemeClr val="accent5">
+                    <a:lumMod val="50000"/>
+                  </a:schemeClr>
                 </a:solidFill>
               </a:rPr>
               <a:t>期末大作业</a:t>
             </a:r>
             <a:endParaRPr lang="en-US" altLang="zh-CN" sz="1400" dirty="0">
               <a:solidFill>
-                <a:schemeClr val="tx1"/>
+                <a:schemeClr val="accent5">
+                  <a:lumMod val="50000"/>
+                </a:schemeClr>
               </a:solidFill>
             </a:endParaRPr>
           </a:p>
@@ -1553,6 +1559,588 @@
       </p:transition>
     </mc:Fallback>
   </mc:AlternateContent>
+</p:sld>
+</file>
+
+<file path=ppt/slides/slide10.xml><?xml version="1.0" encoding="utf-8"?>
+<p:sld xmlns:a="http://schemas.openxmlformats.org/drawingml/2006/main" xmlns:r="http://schemas.openxmlformats.org/officeDocument/2006/relationships" xmlns:p="http://schemas.openxmlformats.org/presentationml/2006/main">
+  <p:cSld>
+    <p:spTree>
+      <p:nvGrpSpPr>
+        <p:cNvPr id="1" name=""/>
+        <p:cNvGrpSpPr/>
+        <p:nvPr/>
+      </p:nvGrpSpPr>
+      <p:grpSpPr>
+        <a:xfrm>
+          <a:off x="0" y="0"/>
+          <a:ext cx="0" cy="0"/>
+          <a:chOff x="0" y="0"/>
+          <a:chExt cx="0" cy="0"/>
+        </a:xfrm>
+      </p:grpSpPr>
+      <p:sp>
+        <p:nvSpPr>
+          <p:cNvPr id="5" name="矩形 4"/>
+          <p:cNvSpPr/>
+          <p:nvPr/>
+        </p:nvSpPr>
+        <p:spPr>
+          <a:xfrm>
+            <a:off x="1793700" y="2360410"/>
+            <a:ext cx="8604600" cy="830997"/>
+          </a:xfrm>
+          <a:prstGeom prst="rect">
+            <a:avLst/>
+          </a:prstGeom>
+        </p:spPr>
+        <p:txBody>
+          <a:bodyPr wrap="none">
+            <a:spAutoFit/>
+          </a:bodyPr>
+          <a:lstStyle/>
+          <a:p>
+            <a:pPr algn="ctr"/>
+            <a:r>
+              <a:rPr lang="en-US" altLang="zh-CN" sz="4800" b="1" dirty="0"/>
+              <a:t>THANK YOU FOR WATCHING</a:t>
+            </a:r>
+          </a:p>
+        </p:txBody>
+      </p:sp>
+      <p:sp>
+        <p:nvSpPr>
+          <p:cNvPr id="9" name="椭圆 8"/>
+          <p:cNvSpPr/>
+          <p:nvPr/>
+        </p:nvSpPr>
+        <p:spPr>
+          <a:xfrm>
+            <a:off x="2312493" y="60523"/>
+            <a:ext cx="307776" cy="307776"/>
+          </a:xfrm>
+          <a:prstGeom prst="ellipse">
+            <a:avLst/>
+          </a:prstGeom>
+          <a:solidFill>
+            <a:schemeClr val="accent2"/>
+          </a:solidFill>
+          <a:ln>
+            <a:noFill/>
+          </a:ln>
+        </p:spPr>
+        <p:style>
+          <a:lnRef idx="2">
+            <a:schemeClr val="accent1">
+              <a:shade val="50000"/>
+            </a:schemeClr>
+          </a:lnRef>
+          <a:fillRef idx="1">
+            <a:schemeClr val="accent1"/>
+          </a:fillRef>
+          <a:effectRef idx="0">
+            <a:schemeClr val="accent1"/>
+          </a:effectRef>
+          <a:fontRef idx="minor">
+            <a:schemeClr val="lt1"/>
+          </a:fontRef>
+        </p:style>
+        <p:txBody>
+          <a:bodyPr rtlCol="0" anchor="ctr"/>
+          <a:lstStyle/>
+          <a:p>
+            <a:pPr algn="ctr"/>
+            <a:endParaRPr lang="zh-CN" altLang="en-US"/>
+          </a:p>
+        </p:txBody>
+      </p:sp>
+      <p:sp>
+        <p:nvSpPr>
+          <p:cNvPr id="7" name="矩形 6"/>
+          <p:cNvSpPr/>
+          <p:nvPr/>
+        </p:nvSpPr>
+        <p:spPr>
+          <a:xfrm>
+            <a:off x="10902173" y="4982632"/>
+            <a:ext cx="775136" cy="246221"/>
+          </a:xfrm>
+          <a:prstGeom prst="rect">
+            <a:avLst/>
+          </a:prstGeom>
+        </p:spPr>
+        <p:txBody>
+          <a:bodyPr wrap="square">
+            <a:spAutoFit/>
+          </a:bodyPr>
+          <a:lstStyle/>
+          <a:p>
+            <a:pPr defTabSz="914400"/>
+            <a:r>
+              <a:rPr lang="en-US" altLang="zh-CN" sz="100" dirty="0">
+                <a:solidFill>
+                  <a:prstClr val="white"/>
+                </a:solidFill>
+                <a:latin typeface="Calibri"/>
+                <a:ea typeface="宋体"/>
+              </a:rPr>
+              <a:t>PPT</a:t>
+            </a:r>
+            <a:r>
+              <a:rPr lang="zh-CN" altLang="en-US" sz="100" dirty="0">
+                <a:solidFill>
+                  <a:prstClr val="white"/>
+                </a:solidFill>
+                <a:latin typeface="Calibri"/>
+                <a:ea typeface="宋体"/>
+              </a:rPr>
+              <a:t>模板下载：</a:t>
+            </a:r>
+            <a:r>
+              <a:rPr lang="en-US" altLang="zh-CN" sz="100" dirty="0">
+                <a:solidFill>
+                  <a:prstClr val="white"/>
+                </a:solidFill>
+                <a:latin typeface="Calibri"/>
+                <a:ea typeface="宋体"/>
+              </a:rPr>
+              <a:t>www.1ppt.com/moban/     </a:t>
+            </a:r>
+            <a:r>
+              <a:rPr lang="zh-CN" altLang="en-US" sz="100" dirty="0">
+                <a:solidFill>
+                  <a:prstClr val="white"/>
+                </a:solidFill>
+                <a:latin typeface="Calibri"/>
+                <a:ea typeface="宋体"/>
+              </a:rPr>
+              <a:t>行业</a:t>
+            </a:r>
+            <a:r>
+              <a:rPr lang="en-US" altLang="zh-CN" sz="100" dirty="0">
+                <a:solidFill>
+                  <a:prstClr val="white"/>
+                </a:solidFill>
+                <a:latin typeface="Calibri"/>
+                <a:ea typeface="宋体"/>
+              </a:rPr>
+              <a:t>PPT</a:t>
+            </a:r>
+            <a:r>
+              <a:rPr lang="zh-CN" altLang="en-US" sz="100" dirty="0">
+                <a:solidFill>
+                  <a:prstClr val="white"/>
+                </a:solidFill>
+                <a:latin typeface="Calibri"/>
+                <a:ea typeface="宋体"/>
+              </a:rPr>
+              <a:t>模板：</a:t>
+            </a:r>
+            <a:r>
+              <a:rPr lang="en-US" altLang="zh-CN" sz="100" dirty="0">
+                <a:solidFill>
+                  <a:prstClr val="white"/>
+                </a:solidFill>
+                <a:latin typeface="Calibri"/>
+                <a:ea typeface="宋体"/>
+              </a:rPr>
+              <a:t>www.1ppt.com/hangye/ </a:t>
+            </a:r>
+          </a:p>
+          <a:p>
+            <a:pPr defTabSz="914400"/>
+            <a:r>
+              <a:rPr lang="zh-CN" altLang="en-US" sz="100" dirty="0">
+                <a:solidFill>
+                  <a:prstClr val="white"/>
+                </a:solidFill>
+                <a:latin typeface="Calibri"/>
+                <a:ea typeface="宋体"/>
+              </a:rPr>
+              <a:t>节日</a:t>
+            </a:r>
+            <a:r>
+              <a:rPr lang="en-US" altLang="zh-CN" sz="100" dirty="0">
+                <a:solidFill>
+                  <a:prstClr val="white"/>
+                </a:solidFill>
+                <a:latin typeface="Calibri"/>
+                <a:ea typeface="宋体"/>
+              </a:rPr>
+              <a:t>PPT</a:t>
+            </a:r>
+            <a:r>
+              <a:rPr lang="zh-CN" altLang="en-US" sz="100" dirty="0">
+                <a:solidFill>
+                  <a:prstClr val="white"/>
+                </a:solidFill>
+                <a:latin typeface="Calibri"/>
+                <a:ea typeface="宋体"/>
+              </a:rPr>
+              <a:t>模板：</a:t>
+            </a:r>
+            <a:r>
+              <a:rPr lang="en-US" altLang="zh-CN" sz="100" dirty="0">
+                <a:solidFill>
+                  <a:prstClr val="white"/>
+                </a:solidFill>
+                <a:latin typeface="Calibri"/>
+                <a:ea typeface="宋体"/>
+              </a:rPr>
+              <a:t>www.1ppt.com/jieri/           PPT</a:t>
+            </a:r>
+            <a:r>
+              <a:rPr lang="zh-CN" altLang="en-US" sz="100" dirty="0">
+                <a:solidFill>
+                  <a:prstClr val="white"/>
+                </a:solidFill>
+                <a:latin typeface="Calibri"/>
+                <a:ea typeface="宋体"/>
+              </a:rPr>
+              <a:t>素材下载：</a:t>
+            </a:r>
+            <a:r>
+              <a:rPr lang="en-US" altLang="zh-CN" sz="100" dirty="0">
+                <a:solidFill>
+                  <a:prstClr val="white"/>
+                </a:solidFill>
+                <a:latin typeface="Calibri"/>
+                <a:ea typeface="宋体"/>
+              </a:rPr>
+              <a:t>www.1ppt.com/sucai/</a:t>
+            </a:r>
+          </a:p>
+          <a:p>
+            <a:pPr defTabSz="914400"/>
+            <a:r>
+              <a:rPr lang="en-US" altLang="zh-CN" sz="100" dirty="0">
+                <a:solidFill>
+                  <a:prstClr val="white"/>
+                </a:solidFill>
+                <a:latin typeface="Calibri"/>
+                <a:ea typeface="宋体"/>
+              </a:rPr>
+              <a:t>PPT</a:t>
+            </a:r>
+            <a:r>
+              <a:rPr lang="zh-CN" altLang="en-US" sz="100" dirty="0">
+                <a:solidFill>
+                  <a:prstClr val="white"/>
+                </a:solidFill>
+                <a:latin typeface="Calibri"/>
+                <a:ea typeface="宋体"/>
+              </a:rPr>
+              <a:t>背景图片：</a:t>
+            </a:r>
+            <a:r>
+              <a:rPr lang="en-US" altLang="zh-CN" sz="100" dirty="0">
+                <a:solidFill>
+                  <a:prstClr val="white"/>
+                </a:solidFill>
+                <a:latin typeface="Calibri"/>
+                <a:ea typeface="宋体"/>
+              </a:rPr>
+              <a:t>www.1ppt.com/beijing/      PPT</a:t>
+            </a:r>
+            <a:r>
+              <a:rPr lang="zh-CN" altLang="en-US" sz="100" dirty="0">
+                <a:solidFill>
+                  <a:prstClr val="white"/>
+                </a:solidFill>
+                <a:latin typeface="Calibri"/>
+                <a:ea typeface="宋体"/>
+              </a:rPr>
+              <a:t>图表下载：</a:t>
+            </a:r>
+            <a:r>
+              <a:rPr lang="en-US" altLang="zh-CN" sz="100" dirty="0">
+                <a:solidFill>
+                  <a:prstClr val="white"/>
+                </a:solidFill>
+                <a:latin typeface="Calibri"/>
+                <a:ea typeface="宋体"/>
+              </a:rPr>
+              <a:t>www.1ppt.com/tubiao/      </a:t>
+            </a:r>
+          </a:p>
+          <a:p>
+            <a:pPr defTabSz="914400"/>
+            <a:r>
+              <a:rPr lang="zh-CN" altLang="en-US" sz="100" dirty="0">
+                <a:solidFill>
+                  <a:prstClr val="white"/>
+                </a:solidFill>
+                <a:latin typeface="Calibri"/>
+                <a:ea typeface="宋体"/>
+              </a:rPr>
+              <a:t>优秀</a:t>
+            </a:r>
+            <a:r>
+              <a:rPr lang="en-US" altLang="zh-CN" sz="100" dirty="0">
+                <a:solidFill>
+                  <a:prstClr val="white"/>
+                </a:solidFill>
+                <a:latin typeface="Calibri"/>
+                <a:ea typeface="宋体"/>
+              </a:rPr>
+              <a:t>PPT</a:t>
+            </a:r>
+            <a:r>
+              <a:rPr lang="zh-CN" altLang="en-US" sz="100" dirty="0">
+                <a:solidFill>
+                  <a:prstClr val="white"/>
+                </a:solidFill>
+                <a:latin typeface="Calibri"/>
+                <a:ea typeface="宋体"/>
+              </a:rPr>
+              <a:t>下载：</a:t>
+            </a:r>
+            <a:r>
+              <a:rPr lang="en-US" altLang="zh-CN" sz="100" dirty="0">
+                <a:solidFill>
+                  <a:prstClr val="white"/>
+                </a:solidFill>
+                <a:latin typeface="Calibri"/>
+                <a:ea typeface="宋体"/>
+              </a:rPr>
+              <a:t>www.1ppt.com/xiazai/        PPT</a:t>
+            </a:r>
+            <a:r>
+              <a:rPr lang="zh-CN" altLang="en-US" sz="100" dirty="0">
+                <a:solidFill>
+                  <a:prstClr val="white"/>
+                </a:solidFill>
+                <a:latin typeface="Calibri"/>
+                <a:ea typeface="宋体"/>
+              </a:rPr>
+              <a:t>教程： </a:t>
+            </a:r>
+            <a:r>
+              <a:rPr lang="en-US" altLang="zh-CN" sz="100" dirty="0">
+                <a:solidFill>
+                  <a:prstClr val="white"/>
+                </a:solidFill>
+                <a:latin typeface="Calibri"/>
+                <a:ea typeface="宋体"/>
+              </a:rPr>
+              <a:t>www.1ppt.com/powerpoint/      </a:t>
+            </a:r>
+          </a:p>
+          <a:p>
+            <a:pPr defTabSz="914400"/>
+            <a:r>
+              <a:rPr lang="en-US" altLang="zh-CN" sz="100" dirty="0">
+                <a:solidFill>
+                  <a:prstClr val="white"/>
+                </a:solidFill>
+                <a:latin typeface="Calibri"/>
+                <a:ea typeface="宋体"/>
+              </a:rPr>
+              <a:t>Word</a:t>
+            </a:r>
+            <a:r>
+              <a:rPr lang="zh-CN" altLang="en-US" sz="100" dirty="0">
+                <a:solidFill>
+                  <a:prstClr val="white"/>
+                </a:solidFill>
+                <a:latin typeface="Calibri"/>
+                <a:ea typeface="宋体"/>
+              </a:rPr>
+              <a:t>教程： </a:t>
+            </a:r>
+            <a:r>
+              <a:rPr lang="en-US" altLang="zh-CN" sz="100" dirty="0">
+                <a:solidFill>
+                  <a:prstClr val="white"/>
+                </a:solidFill>
+                <a:latin typeface="Calibri"/>
+                <a:ea typeface="宋体"/>
+              </a:rPr>
+              <a:t>www.1ppt.com/word/              Excel</a:t>
+            </a:r>
+            <a:r>
+              <a:rPr lang="zh-CN" altLang="en-US" sz="100" dirty="0">
+                <a:solidFill>
+                  <a:prstClr val="white"/>
+                </a:solidFill>
+                <a:latin typeface="Calibri"/>
+                <a:ea typeface="宋体"/>
+              </a:rPr>
+              <a:t>教程：</a:t>
+            </a:r>
+            <a:r>
+              <a:rPr lang="en-US" altLang="zh-CN" sz="100" dirty="0">
+                <a:solidFill>
+                  <a:prstClr val="white"/>
+                </a:solidFill>
+                <a:latin typeface="Calibri"/>
+                <a:ea typeface="宋体"/>
+              </a:rPr>
+              <a:t>www.1ppt.com/excel/  </a:t>
+            </a:r>
+          </a:p>
+          <a:p>
+            <a:pPr defTabSz="914400"/>
+            <a:r>
+              <a:rPr lang="zh-CN" altLang="en-US" sz="100" dirty="0">
+                <a:solidFill>
+                  <a:prstClr val="white"/>
+                </a:solidFill>
+                <a:latin typeface="Calibri"/>
+                <a:ea typeface="宋体"/>
+              </a:rPr>
+              <a:t>资料下载：</a:t>
+            </a:r>
+            <a:r>
+              <a:rPr lang="en-US" altLang="zh-CN" sz="100" dirty="0">
+                <a:solidFill>
+                  <a:prstClr val="white"/>
+                </a:solidFill>
+                <a:latin typeface="Calibri"/>
+                <a:ea typeface="宋体"/>
+              </a:rPr>
+              <a:t>www.1ppt.com/ziliao/                PPT</a:t>
+            </a:r>
+            <a:r>
+              <a:rPr lang="zh-CN" altLang="en-US" sz="100" dirty="0">
+                <a:solidFill>
+                  <a:prstClr val="white"/>
+                </a:solidFill>
+                <a:latin typeface="Calibri"/>
+                <a:ea typeface="宋体"/>
+              </a:rPr>
+              <a:t>课件下载：</a:t>
+            </a:r>
+            <a:r>
+              <a:rPr lang="en-US" altLang="zh-CN" sz="100" dirty="0">
+                <a:solidFill>
+                  <a:prstClr val="white"/>
+                </a:solidFill>
+                <a:latin typeface="Calibri"/>
+                <a:ea typeface="宋体"/>
+              </a:rPr>
+              <a:t>www.1ppt.com/kejian/ </a:t>
+            </a:r>
+          </a:p>
+          <a:p>
+            <a:pPr defTabSz="914400"/>
+            <a:r>
+              <a:rPr lang="zh-CN" altLang="en-US" sz="100" dirty="0">
+                <a:solidFill>
+                  <a:prstClr val="white"/>
+                </a:solidFill>
+                <a:latin typeface="Calibri"/>
+                <a:ea typeface="宋体"/>
+              </a:rPr>
+              <a:t>范文下载：</a:t>
+            </a:r>
+            <a:r>
+              <a:rPr lang="en-US" altLang="zh-CN" sz="100" dirty="0">
+                <a:solidFill>
+                  <a:prstClr val="white"/>
+                </a:solidFill>
+                <a:latin typeface="Calibri"/>
+                <a:ea typeface="宋体"/>
+              </a:rPr>
+              <a:t>www.1ppt.com/fanwen/             </a:t>
+            </a:r>
+            <a:r>
+              <a:rPr lang="zh-CN" altLang="en-US" sz="100" dirty="0">
+                <a:solidFill>
+                  <a:prstClr val="white"/>
+                </a:solidFill>
+                <a:latin typeface="Calibri"/>
+                <a:ea typeface="宋体"/>
+              </a:rPr>
+              <a:t>试卷下载：</a:t>
+            </a:r>
+            <a:r>
+              <a:rPr lang="en-US" altLang="zh-CN" sz="100" dirty="0">
+                <a:solidFill>
+                  <a:prstClr val="white"/>
+                </a:solidFill>
+                <a:latin typeface="Calibri"/>
+                <a:ea typeface="宋体"/>
+              </a:rPr>
+              <a:t>www.1ppt.com/shiti/  </a:t>
+            </a:r>
+          </a:p>
+          <a:p>
+            <a:pPr defTabSz="914400"/>
+            <a:r>
+              <a:rPr lang="zh-CN" altLang="en-US" sz="100" dirty="0">
+                <a:solidFill>
+                  <a:prstClr val="white"/>
+                </a:solidFill>
+                <a:latin typeface="Calibri"/>
+                <a:ea typeface="宋体"/>
+              </a:rPr>
+              <a:t>教案下载：</a:t>
+            </a:r>
+            <a:r>
+              <a:rPr lang="en-US" altLang="zh-CN" sz="100" dirty="0">
+                <a:solidFill>
+                  <a:prstClr val="white"/>
+                </a:solidFill>
+                <a:latin typeface="Calibri"/>
+                <a:ea typeface="宋体"/>
+              </a:rPr>
+              <a:t>www.1ppt.com/jiaoan/        </a:t>
+            </a:r>
+          </a:p>
+          <a:p>
+            <a:pPr defTabSz="914400"/>
+            <a:r>
+              <a:rPr lang="zh-CN" altLang="en-US" sz="100" dirty="0">
+                <a:solidFill>
+                  <a:prstClr val="white"/>
+                </a:solidFill>
+                <a:latin typeface="Calibri"/>
+                <a:ea typeface="宋体"/>
+              </a:rPr>
+              <a:t>字体下载：</a:t>
+            </a:r>
+            <a:r>
+              <a:rPr lang="en-US" altLang="zh-CN" sz="100" dirty="0">
+                <a:solidFill>
+                  <a:prstClr val="white"/>
+                </a:solidFill>
+                <a:latin typeface="Calibri"/>
+                <a:ea typeface="宋体"/>
+              </a:rPr>
+              <a:t>www.1ppt.com/ziti/</a:t>
+            </a:r>
+          </a:p>
+          <a:p>
+            <a:pPr defTabSz="914400"/>
+            <a:r>
+              <a:rPr lang="en-US" altLang="zh-CN" sz="100" dirty="0">
+                <a:solidFill>
+                  <a:prstClr val="white"/>
+                </a:solidFill>
+                <a:latin typeface="Calibri"/>
+                <a:ea typeface="宋体"/>
+              </a:rPr>
+              <a:t> </a:t>
+            </a:r>
+            <a:endParaRPr lang="zh-CN" altLang="en-US" sz="100" dirty="0">
+              <a:solidFill>
+                <a:prstClr val="white"/>
+              </a:solidFill>
+              <a:latin typeface="Calibri"/>
+              <a:ea typeface="宋体"/>
+            </a:endParaRPr>
+          </a:p>
+        </p:txBody>
+      </p:sp>
+    </p:spTree>
+  </p:cSld>
+  <p:clrMapOvr>
+    <a:masterClrMapping/>
+  </p:clrMapOvr>
+  <p:transition spd="slow">
+    <p:push dir="u"/>
+  </p:transition>
 </p:sld>
 </file>
 
@@ -1596,7 +2184,7 @@
           <a:p>
             <a:r>
               <a:rPr lang="zh-CN" altLang="en-US" sz="1400" b="1" dirty="0"/>
-              <a:t>通讯录功能总揽</a:t>
+              <a:t>通讯录功能总览</a:t>
             </a:r>
           </a:p>
         </p:txBody>
@@ -3125,7 +3713,7 @@
           <a:p>
             <a:r>
               <a:rPr lang="zh-CN" altLang="en-US" sz="4400" dirty="0"/>
-              <a:t>功能总揽</a:t>
+              <a:t>功能总览</a:t>
             </a:r>
             <a:endParaRPr lang="en-US" altLang="zh-CN" sz="4400" dirty="0"/>
           </a:p>
@@ -3139,7 +3727,7 @@
         </p:nvSpPr>
         <p:spPr>
           <a:xfrm>
-            <a:off x="3885341" y="1237004"/>
+            <a:off x="3885341" y="1263130"/>
             <a:ext cx="6550312" cy="777457"/>
           </a:xfrm>
           <a:prstGeom prst="rect">
@@ -4116,7 +4704,7 @@
         </p:nvSpPr>
         <p:spPr>
           <a:xfrm>
-            <a:off x="585286" y="316188"/>
+            <a:off x="556554" y="316188"/>
             <a:ext cx="1603741" cy="1522354"/>
           </a:xfrm>
           <a:prstGeom prst="diamond">
@@ -4189,111 +4777,6 @@
       </p:sp>
       <p:sp>
         <p:nvSpPr>
-          <p:cNvPr id="18" name="矩形 17">
-            <a:extLst>
-              <a:ext uri="{FF2B5EF4-FFF2-40B4-BE49-F238E27FC236}">
-                <a16:creationId xmlns:a16="http://schemas.microsoft.com/office/drawing/2014/main" id="{D0ACE41D-1288-44E6-8B29-0A27E3B5DA55}"/>
-              </a:ext>
-            </a:extLst>
-          </p:cNvPr>
-          <p:cNvSpPr/>
-          <p:nvPr/>
-        </p:nvSpPr>
-        <p:spPr>
-          <a:xfrm>
-            <a:off x="1047427" y="2131627"/>
-            <a:ext cx="7340471" cy="646331"/>
-          </a:xfrm>
-          <a:prstGeom prst="rect">
-            <a:avLst/>
-          </a:prstGeom>
-        </p:spPr>
-        <p:txBody>
-          <a:bodyPr wrap="none">
-            <a:spAutoFit/>
-          </a:bodyPr>
-          <a:lstStyle/>
-          <a:p>
-            <a:r>
-              <a:rPr lang="en-US" altLang="zh-CN" dirty="0"/>
-              <a:t>  1.</a:t>
-            </a:r>
-            <a:r>
-              <a:rPr lang="zh-CN" altLang="en-US" dirty="0"/>
-              <a:t>该程序可直接从文件中录入联系人信息，或从键盘录入联系人信息，</a:t>
-            </a:r>
-            <a:endParaRPr lang="en-US" altLang="zh-CN" dirty="0"/>
-          </a:p>
-          <a:p>
-            <a:r>
-              <a:rPr lang="zh-CN" altLang="en-US" dirty="0"/>
-              <a:t>使文件录入更为方便快捷，关闭文件时可自动保存联系人信息到文件。</a:t>
-            </a:r>
-          </a:p>
-        </p:txBody>
-      </p:sp>
-      <p:pic>
-        <p:nvPicPr>
-          <p:cNvPr id="23" name="图片 22">
-            <a:extLst>
-              <a:ext uri="{FF2B5EF4-FFF2-40B4-BE49-F238E27FC236}">
-                <a16:creationId xmlns:a16="http://schemas.microsoft.com/office/drawing/2014/main" id="{3EA9F29A-FAC6-483B-81A1-BA02262006F9}"/>
-              </a:ext>
-            </a:extLst>
-          </p:cNvPr>
-          <p:cNvPicPr>
-            <a:picLocks noChangeAspect="1"/>
-          </p:cNvPicPr>
-          <p:nvPr/>
-        </p:nvPicPr>
-        <p:blipFill>
-          <a:blip r:embed="rId3"/>
-          <a:stretch>
-            <a:fillRect/>
-          </a:stretch>
-        </p:blipFill>
-        <p:spPr>
-          <a:xfrm>
-            <a:off x="1047427" y="2927762"/>
-            <a:ext cx="3235761" cy="1509332"/>
-          </a:xfrm>
-          <a:prstGeom prst="rect">
-            <a:avLst/>
-          </a:prstGeom>
-        </p:spPr>
-      </p:pic>
-      <p:pic>
-        <p:nvPicPr>
-          <p:cNvPr id="25" name="图片 24">
-            <a:extLst>
-              <a:ext uri="{FF2B5EF4-FFF2-40B4-BE49-F238E27FC236}">
-                <a16:creationId xmlns:a16="http://schemas.microsoft.com/office/drawing/2014/main" id="{E13FB598-1C7D-4620-AD02-65BB98DDC73E}"/>
-              </a:ext>
-            </a:extLst>
-          </p:cNvPr>
-          <p:cNvPicPr>
-            <a:picLocks noChangeAspect="1"/>
-          </p:cNvPicPr>
-          <p:nvPr/>
-        </p:nvPicPr>
-        <p:blipFill>
-          <a:blip r:embed="rId4"/>
-          <a:stretch>
-            <a:fillRect/>
-          </a:stretch>
-        </p:blipFill>
-        <p:spPr>
-          <a:xfrm>
-            <a:off x="4397052" y="2927762"/>
-            <a:ext cx="3511762" cy="501238"/>
-          </a:xfrm>
-          <a:prstGeom prst="rect">
-            <a:avLst/>
-          </a:prstGeom>
-        </p:spPr>
-      </p:pic>
-      <p:sp>
-        <p:nvSpPr>
           <p:cNvPr id="26" name="矩形 25">
             <a:extLst>
               <a:ext uri="{FF2B5EF4-FFF2-40B4-BE49-F238E27FC236}">
@@ -4306,7 +4789,7 @@
         </p:nvSpPr>
         <p:spPr>
           <a:xfrm>
-            <a:off x="1965531" y="580559"/>
+            <a:off x="2062664" y="580559"/>
             <a:ext cx="558166" cy="923330"/>
           </a:xfrm>
           <a:prstGeom prst="rect">
@@ -4353,7 +4836,120 @@
           </a:p>
         </p:txBody>
       </p:sp>
+      <p:pic>
+        <p:nvPicPr>
+          <p:cNvPr id="6" name="图片 5">
+            <a:extLst>
+              <a:ext uri="{FF2B5EF4-FFF2-40B4-BE49-F238E27FC236}">
+                <a16:creationId xmlns:a16="http://schemas.microsoft.com/office/drawing/2014/main" id="{47E9C577-9A1C-4834-BAF1-48F78A49CAEB}"/>
+              </a:ext>
+            </a:extLst>
+          </p:cNvPr>
+          <p:cNvPicPr>
+            <a:picLocks noChangeAspect="1"/>
+          </p:cNvPicPr>
+          <p:nvPr/>
+        </p:nvPicPr>
+        <p:blipFill>
+          <a:blip r:embed="rId3"/>
+          <a:stretch>
+            <a:fillRect/>
+          </a:stretch>
+        </p:blipFill>
+        <p:spPr>
+          <a:xfrm>
+            <a:off x="5539666" y="505321"/>
+            <a:ext cx="2689934" cy="6069819"/>
+          </a:xfrm>
+          <a:prstGeom prst="rect">
+            <a:avLst/>
+          </a:prstGeom>
+        </p:spPr>
+      </p:pic>
+      <p:sp>
+        <p:nvSpPr>
+          <p:cNvPr id="7" name="文本框 6">
+            <a:extLst>
+              <a:ext uri="{FF2B5EF4-FFF2-40B4-BE49-F238E27FC236}">
+                <a16:creationId xmlns:a16="http://schemas.microsoft.com/office/drawing/2014/main" id="{B47AA45B-FBF0-4FA2-B310-CABFF2D757EF}"/>
+              </a:ext>
+            </a:extLst>
+          </p:cNvPr>
+          <p:cNvSpPr txBox="1"/>
+          <p:nvPr/>
+        </p:nvSpPr>
+        <p:spPr>
+          <a:xfrm>
+            <a:off x="674656" y="2193137"/>
+            <a:ext cx="4184727" cy="646331"/>
+          </a:xfrm>
+          <a:prstGeom prst="rect">
+            <a:avLst/>
+          </a:prstGeom>
+          <a:noFill/>
+        </p:spPr>
+        <p:txBody>
+          <a:bodyPr wrap="square" rtlCol="0">
+            <a:spAutoFit/>
+          </a:bodyPr>
+          <a:lstStyle/>
+          <a:p>
+            <a:r>
+              <a:rPr lang="zh-CN" altLang="en-US" dirty="0"/>
+              <a:t>菜单设计</a:t>
+            </a:r>
+            <a:r>
+              <a:rPr lang="zh-CN" altLang="en-US" dirty="0">
+                <a:solidFill>
+                  <a:srgbClr val="FF0000"/>
+                </a:solidFill>
+              </a:rPr>
+              <a:t>人性化、美观</a:t>
+            </a:r>
+            <a:r>
+              <a:rPr lang="zh-CN" altLang="en-US" dirty="0"/>
+              <a:t>，用户使用时一目了然，可以清楚的知道所选择的功能。</a:t>
+            </a:r>
+            <a:endParaRPr lang="en-US" altLang="zh-CN" dirty="0"/>
+          </a:p>
+        </p:txBody>
+      </p:sp>
+      <p:pic>
+        <p:nvPicPr>
+          <p:cNvPr id="9" name="图片 8">
+            <a:extLst>
+              <a:ext uri="{FF2B5EF4-FFF2-40B4-BE49-F238E27FC236}">
+                <a16:creationId xmlns:a16="http://schemas.microsoft.com/office/drawing/2014/main" id="{96DBFC05-D72C-4544-8641-35EF71E87160}"/>
+              </a:ext>
+            </a:extLst>
+          </p:cNvPr>
+          <p:cNvPicPr>
+            <a:picLocks noChangeAspect="1"/>
+          </p:cNvPicPr>
+          <p:nvPr/>
+        </p:nvPicPr>
+        <p:blipFill>
+          <a:blip r:embed="rId4"/>
+          <a:stretch>
+            <a:fillRect/>
+          </a:stretch>
+        </p:blipFill>
+        <p:spPr>
+          <a:xfrm>
+            <a:off x="674656" y="3998939"/>
+            <a:ext cx="4756457" cy="2405123"/>
+          </a:xfrm>
+          <a:prstGeom prst="rect">
+            <a:avLst/>
+          </a:prstGeom>
+        </p:spPr>
+      </p:pic>
     </p:spTree>
+    <p:extLst>
+      <p:ext uri="{BB962C8B-B14F-4D97-AF65-F5344CB8AC3E}">
+        <p14:creationId xmlns:p14="http://schemas.microsoft.com/office/powerpoint/2010/main" val="290762509"/>
+      </p:ext>
+    </p:extLst>
   </p:cSld>
   <p:clrMapOvr>
     <a:masterClrMapping/>
@@ -4463,7 +5059,7 @@
         </p:nvSpPr>
         <p:spPr>
           <a:xfrm>
-            <a:off x="585286" y="157740"/>
+            <a:off x="543739" y="149572"/>
             <a:ext cx="130917" cy="113341"/>
           </a:xfrm>
           <a:prstGeom prst="ellipse">
@@ -4631,8 +5227,8 @@
         </p:nvSpPr>
         <p:spPr>
           <a:xfrm>
-            <a:off x="1047427" y="2032506"/>
-            <a:ext cx="7640233" cy="646331"/>
+            <a:off x="1047427" y="2131627"/>
+            <a:ext cx="7340471" cy="646331"/>
           </a:xfrm>
           <a:prstGeom prst="rect">
             <a:avLst/>
@@ -4646,25 +5242,52 @@
           <a:p>
             <a:r>
               <a:rPr lang="en-US" altLang="zh-CN" dirty="0"/>
-              <a:t>2.</a:t>
+              <a:t>  </a:t>
             </a:r>
             <a:r>
               <a:rPr lang="zh-CN" altLang="en-US" dirty="0"/>
-              <a:t>使用多文件组织，不同文件实现不同的功能，让程序更易修改和维护。</a:t>
+              <a:t>该程序可直接从</a:t>
+            </a:r>
+            <a:r>
+              <a:rPr lang="zh-CN" altLang="en-US" dirty="0">
+                <a:solidFill>
+                  <a:srgbClr val="FF0000"/>
+                </a:solidFill>
+              </a:rPr>
+              <a:t>文件</a:t>
+            </a:r>
+            <a:r>
+              <a:rPr lang="zh-CN" altLang="en-US" dirty="0"/>
+              <a:t>中录入联系人信息，或从</a:t>
+            </a:r>
+            <a:r>
+              <a:rPr lang="zh-CN" altLang="en-US" dirty="0">
+                <a:solidFill>
+                  <a:srgbClr val="FF0000"/>
+                </a:solidFill>
+              </a:rPr>
+              <a:t>键盘录入</a:t>
+            </a:r>
+            <a:r>
+              <a:rPr lang="zh-CN" altLang="en-US" dirty="0"/>
+              <a:t>联系人信息，</a:t>
             </a:r>
             <a:endParaRPr lang="en-US" altLang="zh-CN" dirty="0"/>
           </a:p>
           <a:p>
-            <a:endParaRPr lang="zh-CN" altLang="en-US" dirty="0"/>
+            <a:r>
+              <a:rPr lang="zh-CN" altLang="en-US" dirty="0"/>
+              <a:t>使文件录入更为方便快捷，关闭文件时可自动保存联系人信息到文件。</a:t>
+            </a:r>
           </a:p>
         </p:txBody>
       </p:sp>
       <p:pic>
         <p:nvPicPr>
-          <p:cNvPr id="8" name="图片 7">
+          <p:cNvPr id="23" name="图片 22">
             <a:extLst>
               <a:ext uri="{FF2B5EF4-FFF2-40B4-BE49-F238E27FC236}">
-                <a16:creationId xmlns:a16="http://schemas.microsoft.com/office/drawing/2014/main" id="{87DE5D2E-5E34-4809-B83B-D79084AFD639}"/>
+                <a16:creationId xmlns:a16="http://schemas.microsoft.com/office/drawing/2014/main" id="{3EA9F29A-FAC6-483B-81A1-BA02262006F9}"/>
               </a:ext>
             </a:extLst>
           </p:cNvPr>
@@ -4681,8 +5304,38 @@
         </p:blipFill>
         <p:spPr>
           <a:xfrm>
-            <a:off x="1293274" y="2482934"/>
-            <a:ext cx="6419165" cy="4077854"/>
+            <a:off x="1047427" y="2927762"/>
+            <a:ext cx="3235761" cy="1509332"/>
+          </a:xfrm>
+          <a:prstGeom prst="rect">
+            <a:avLst/>
+          </a:prstGeom>
+        </p:spPr>
+      </p:pic>
+      <p:pic>
+        <p:nvPicPr>
+          <p:cNvPr id="25" name="图片 24">
+            <a:extLst>
+              <a:ext uri="{FF2B5EF4-FFF2-40B4-BE49-F238E27FC236}">
+                <a16:creationId xmlns:a16="http://schemas.microsoft.com/office/drawing/2014/main" id="{E13FB598-1C7D-4620-AD02-65BB98DDC73E}"/>
+              </a:ext>
+            </a:extLst>
+          </p:cNvPr>
+          <p:cNvPicPr>
+            <a:picLocks noChangeAspect="1"/>
+          </p:cNvPicPr>
+          <p:nvPr/>
+        </p:nvPicPr>
+        <p:blipFill>
+          <a:blip r:embed="rId4"/>
+          <a:stretch>
+            <a:fillRect/>
+          </a:stretch>
+        </p:blipFill>
+        <p:spPr>
+          <a:xfrm>
+            <a:off x="4397052" y="2927762"/>
+            <a:ext cx="3511762" cy="501238"/>
           </a:xfrm>
           <a:prstGeom prst="rect">
             <a:avLst/>
@@ -4691,10 +5344,10 @@
       </p:pic>
       <p:sp>
         <p:nvSpPr>
-          <p:cNvPr id="9" name="矩形 8">
+          <p:cNvPr id="26" name="矩形 25">
             <a:extLst>
               <a:ext uri="{FF2B5EF4-FFF2-40B4-BE49-F238E27FC236}">
-                <a16:creationId xmlns:a16="http://schemas.microsoft.com/office/drawing/2014/main" id="{4AA2826F-315F-4BFD-830F-88B2AB8194FB}"/>
+                <a16:creationId xmlns:a16="http://schemas.microsoft.com/office/drawing/2014/main" id="{1658A0DC-5FA8-4762-9A38-C548A5441649}"/>
               </a:ext>
             </a:extLst>
           </p:cNvPr>
@@ -4703,8 +5356,8 @@
         </p:nvSpPr>
         <p:spPr>
           <a:xfrm>
-            <a:off x="2021117" y="576584"/>
-            <a:ext cx="558165" cy="923330"/>
+            <a:off x="1965531" y="580559"/>
+            <a:ext cx="558166" cy="923330"/>
           </a:xfrm>
           <a:prstGeom prst="rect">
             <a:avLst/>
@@ -4719,7 +5372,7 @@
           <a:p>
             <a:pPr algn="ctr"/>
             <a:r>
-              <a:rPr lang="en-US" altLang="zh-CN" sz="5400" b="0" cap="none" spc="0" dirty="0">
+              <a:rPr lang="en-US" altLang="zh-CN" sz="5400" dirty="0">
                 <a:ln w="0"/>
                 <a:solidFill>
                   <a:schemeClr val="accent1"/>
@@ -4751,11 +5404,6 @@
         </p:txBody>
       </p:sp>
     </p:spTree>
-    <p:extLst>
-      <p:ext uri="{BB962C8B-B14F-4D97-AF65-F5344CB8AC3E}">
-        <p14:creationId xmlns:p14="http://schemas.microsoft.com/office/powerpoint/2010/main" val="821517097"/>
-      </p:ext>
-    </p:extLst>
   </p:cSld>
   <p:clrMapOvr>
     <a:masterClrMapping/>
@@ -5033,8 +5681,8 @@
         </p:nvSpPr>
         <p:spPr>
           <a:xfrm>
-            <a:off x="1047427" y="2032506"/>
-            <a:ext cx="4052713" cy="646331"/>
+            <a:off x="1047427" y="1689383"/>
+            <a:ext cx="9081332" cy="923330"/>
           </a:xfrm>
           <a:prstGeom prst="rect">
             <a:avLst/>
@@ -5047,12 +5695,27 @@
           <a:lstStyle/>
           <a:p>
             <a:r>
-              <a:rPr lang="en-US" altLang="zh-CN" dirty="0"/>
-              <a:t>3.</a:t>
-            </a:r>
-            <a:r>
               <a:rPr lang="zh-CN" altLang="en-US" dirty="0"/>
-              <a:t>录入联系人后自动按姓名进行排序。</a:t>
+              <a:t>   为了避免将整个系统的所有程序代码都写在一个源文件中，导致代码冗长，不利于阅读</a:t>
+            </a:r>
+            <a:endParaRPr lang="en-US" altLang="zh-CN" dirty="0"/>
+          </a:p>
+          <a:p>
+            <a:r>
+              <a:rPr lang="zh-CN" altLang="en-US" dirty="0"/>
+              <a:t>和查找错误，我们采用了</a:t>
+            </a:r>
+            <a:r>
+              <a:rPr lang="zh-CN" altLang="en-US" dirty="0">
+                <a:solidFill>
+                  <a:srgbClr val="FF0000"/>
+                </a:solidFill>
+              </a:rPr>
+              <a:t>多文件的组织形式</a:t>
+            </a:r>
+            <a:r>
+              <a:rPr lang="zh-CN" altLang="en-US" dirty="0"/>
+              <a:t>，以达到使之条理清晰的目的。</a:t>
             </a:r>
             <a:endParaRPr lang="en-US" altLang="zh-CN" dirty="0"/>
           </a:p>
@@ -5061,6 +5724,36 @@
           </a:p>
         </p:txBody>
       </p:sp>
+      <p:pic>
+        <p:nvPicPr>
+          <p:cNvPr id="8" name="图片 7">
+            <a:extLst>
+              <a:ext uri="{FF2B5EF4-FFF2-40B4-BE49-F238E27FC236}">
+                <a16:creationId xmlns:a16="http://schemas.microsoft.com/office/drawing/2014/main" id="{87DE5D2E-5E34-4809-B83B-D79084AFD639}"/>
+              </a:ext>
+            </a:extLst>
+          </p:cNvPr>
+          <p:cNvPicPr>
+            <a:picLocks noChangeAspect="1"/>
+          </p:cNvPicPr>
+          <p:nvPr/>
+        </p:nvPicPr>
+        <p:blipFill>
+          <a:blip r:embed="rId3"/>
+          <a:stretch>
+            <a:fillRect/>
+          </a:stretch>
+        </p:blipFill>
+        <p:spPr>
+          <a:xfrm>
+            <a:off x="1293274" y="2482934"/>
+            <a:ext cx="6419165" cy="4077854"/>
+          </a:xfrm>
+          <a:prstGeom prst="rect">
+            <a:avLst/>
+          </a:prstGeom>
+        </p:spPr>
+      </p:pic>
       <p:sp>
         <p:nvSpPr>
           <p:cNvPr id="9" name="矩形 8">
@@ -5122,40 +5815,10 @@
           </a:p>
         </p:txBody>
       </p:sp>
-      <p:pic>
-        <p:nvPicPr>
-          <p:cNvPr id="12" name="图片 11">
-            <a:extLst>
-              <a:ext uri="{FF2B5EF4-FFF2-40B4-BE49-F238E27FC236}">
-                <a16:creationId xmlns:a16="http://schemas.microsoft.com/office/drawing/2014/main" id="{4F1F5AA4-127E-4BE4-91AB-CA26CF877A66}"/>
-              </a:ext>
-            </a:extLst>
-          </p:cNvPr>
-          <p:cNvPicPr>
-            <a:picLocks noChangeAspect="1"/>
-          </p:cNvPicPr>
-          <p:nvPr/>
-        </p:nvPicPr>
-        <p:blipFill>
-          <a:blip r:embed="rId3"/>
-          <a:stretch>
-            <a:fillRect/>
-          </a:stretch>
-        </p:blipFill>
-        <p:spPr>
-          <a:xfrm>
-            <a:off x="1047427" y="2689532"/>
-            <a:ext cx="5975600" cy="1282996"/>
-          </a:xfrm>
-          <a:prstGeom prst="rect">
-            <a:avLst/>
-          </a:prstGeom>
-        </p:spPr>
-      </p:pic>
     </p:spTree>
     <p:extLst>
       <p:ext uri="{BB962C8B-B14F-4D97-AF65-F5344CB8AC3E}">
-        <p14:creationId xmlns:p14="http://schemas.microsoft.com/office/powerpoint/2010/main" val="1943057519"/>
+        <p14:creationId xmlns:p14="http://schemas.microsoft.com/office/powerpoint/2010/main" val="821517097"/>
       </p:ext>
     </p:extLst>
   </p:cSld>
@@ -5194,6 +5857,43 @@
           <a:chExt cx="0" cy="0"/>
         </a:xfrm>
       </p:grpSpPr>
+      <p:pic>
+        <p:nvPicPr>
+          <p:cNvPr id="10" name="图片 9">
+            <a:extLst>
+              <a:ext uri="{FF2B5EF4-FFF2-40B4-BE49-F238E27FC236}">
+                <a16:creationId xmlns:a16="http://schemas.microsoft.com/office/drawing/2014/main" id="{2E7A19B6-4BA8-407A-9259-98A529E36869}"/>
+              </a:ext>
+            </a:extLst>
+          </p:cNvPr>
+          <p:cNvPicPr>
+            <a:picLocks noChangeAspect="1"/>
+          </p:cNvPicPr>
+          <p:nvPr/>
+        </p:nvPicPr>
+        <p:blipFill rotWithShape="1">
+          <a:blip r:embed="rId2" cstate="screen">
+            <a:extLst>
+              <a:ext uri="{28A0092B-C50C-407E-A947-70E740481C1C}">
+                <a14:useLocalDpi xmlns:a14="http://schemas.microsoft.com/office/drawing/2010/main"/>
+              </a:ext>
+            </a:extLst>
+          </a:blip>
+          <a:srcRect/>
+          <a:stretch>
+            <a:fillRect/>
+          </a:stretch>
+        </p:blipFill>
+        <p:spPr>
+          <a:xfrm>
+            <a:off x="585286" y="297212"/>
+            <a:ext cx="1714914" cy="1593440"/>
+          </a:xfrm>
+          <a:prstGeom prst="rect">
+            <a:avLst/>
+          </a:prstGeom>
+        </p:spPr>
+      </p:pic>
       <p:sp>
         <p:nvSpPr>
           <p:cNvPr id="2" name="矩形 1"/>
@@ -5203,7 +5903,7 @@
         <p:spPr>
           <a:xfrm>
             <a:off x="0" y="60523"/>
-            <a:ext cx="902811" cy="307777"/>
+            <a:ext cx="543739" cy="307777"/>
           </a:xfrm>
           <a:prstGeom prst="rect">
             <a:avLst/>
@@ -5217,7 +5917,7 @@
           <a:p>
             <a:r>
               <a:rPr lang="zh-CN" altLang="en-US" sz="1400" b="1" dirty="0"/>
-              <a:t>其它功能</a:t>
+              <a:t>特色</a:t>
             </a:r>
           </a:p>
         </p:txBody>
@@ -5230,7 +5930,7 @@
         </p:nvSpPr>
         <p:spPr>
           <a:xfrm>
-            <a:off x="1756130" y="157740"/>
+            <a:off x="585286" y="157740"/>
             <a:ext cx="130917" cy="113341"/>
           </a:xfrm>
           <a:prstGeom prst="ellipse">
@@ -5270,285 +5970,16 @@
           </a:p>
         </p:txBody>
       </p:sp>
-      <p:grpSp>
-        <p:nvGrpSpPr>
-          <p:cNvPr id="13" name="组合 12"/>
-          <p:cNvGrpSpPr/>
-          <p:nvPr/>
-        </p:nvGrpSpPr>
-        <p:grpSpPr>
-          <a:xfrm>
-            <a:off x="910794" y="928946"/>
-            <a:ext cx="2300757" cy="509896"/>
-            <a:chOff x="888096" y="1000203"/>
-            <a:chExt cx="4259825" cy="944066"/>
-          </a:xfrm>
-        </p:grpSpPr>
-        <p:sp>
-          <p:nvSpPr>
-            <p:cNvPr id="5" name="矩形 4"/>
-            <p:cNvSpPr/>
-            <p:nvPr/>
-          </p:nvSpPr>
-          <p:spPr>
-            <a:xfrm>
-              <a:off x="911225" y="1045634"/>
-              <a:ext cx="4199467" cy="872066"/>
-            </a:xfrm>
-            <a:prstGeom prst="rect">
-              <a:avLst/>
-            </a:prstGeom>
-            <a:noFill/>
-            <a:ln>
-              <a:solidFill>
-                <a:schemeClr val="bg1">
-                  <a:lumMod val="75000"/>
-                </a:schemeClr>
-              </a:solidFill>
-            </a:ln>
-          </p:spPr>
-          <p:style>
-            <a:lnRef idx="2">
-              <a:schemeClr val="accent1">
-                <a:shade val="50000"/>
-              </a:schemeClr>
-            </a:lnRef>
-            <a:fillRef idx="1">
-              <a:schemeClr val="accent1"/>
-            </a:fillRef>
-            <a:effectRef idx="0">
-              <a:schemeClr val="accent1"/>
-            </a:effectRef>
-            <a:fontRef idx="minor">
-              <a:schemeClr val="lt1"/>
-            </a:fontRef>
-          </p:style>
-          <p:txBody>
-            <a:bodyPr rot="0" spcFirstLastPara="0" vertOverflow="overflow" horzOverflow="overflow" vert="horz" wrap="square" lIns="91440" tIns="45720" rIns="91440" bIns="45720" numCol="1" spcCol="0" rtlCol="0" fromWordArt="0" anchor="ctr" anchorCtr="0" forceAA="0" compatLnSpc="1">
-              <a:noAutofit/>
-            </a:bodyPr>
-            <a:lstStyle/>
-            <a:p>
-              <a:pPr algn="ctr"/>
-              <a:endParaRPr lang="zh-CN" altLang="en-US"/>
-            </a:p>
-          </p:txBody>
-        </p:sp>
-        <p:sp>
-          <p:nvSpPr>
-            <p:cNvPr id="6" name="椭圆 5"/>
-            <p:cNvSpPr/>
-            <p:nvPr/>
-          </p:nvSpPr>
-          <p:spPr>
-            <a:xfrm>
-              <a:off x="888096" y="1000203"/>
-              <a:ext cx="72000" cy="72000"/>
-            </a:xfrm>
-            <a:prstGeom prst="ellipse">
-              <a:avLst/>
-            </a:prstGeom>
-            <a:solidFill>
-              <a:schemeClr val="tx1">
-                <a:lumMod val="65000"/>
-                <a:lumOff val="35000"/>
-              </a:schemeClr>
-            </a:solidFill>
-            <a:ln>
-              <a:noFill/>
-            </a:ln>
-          </p:spPr>
-          <p:style>
-            <a:lnRef idx="2">
-              <a:schemeClr val="accent1">
-                <a:shade val="50000"/>
-              </a:schemeClr>
-            </a:lnRef>
-            <a:fillRef idx="1">
-              <a:schemeClr val="accent1"/>
-            </a:fillRef>
-            <a:effectRef idx="0">
-              <a:schemeClr val="accent1"/>
-            </a:effectRef>
-            <a:fontRef idx="minor">
-              <a:schemeClr val="lt1"/>
-            </a:fontRef>
-          </p:style>
-          <p:txBody>
-            <a:bodyPr rot="0" spcFirstLastPara="0" vertOverflow="overflow" horzOverflow="overflow" vert="horz" wrap="square" lIns="91440" tIns="45720" rIns="91440" bIns="45720" numCol="1" spcCol="0" rtlCol="0" fromWordArt="0" anchor="ctr" anchorCtr="0" forceAA="0" compatLnSpc="1">
-              <a:noAutofit/>
-            </a:bodyPr>
-            <a:lstStyle/>
-            <a:p>
-              <a:pPr algn="ctr"/>
-              <a:endParaRPr lang="zh-CN" altLang="en-US"/>
-            </a:p>
-          </p:txBody>
-        </p:sp>
-        <p:sp>
-          <p:nvSpPr>
-            <p:cNvPr id="7" name="椭圆 6"/>
-            <p:cNvSpPr/>
-            <p:nvPr/>
-          </p:nvSpPr>
-          <p:spPr>
-            <a:xfrm>
-              <a:off x="888096" y="1872269"/>
-              <a:ext cx="72000" cy="72000"/>
-            </a:xfrm>
-            <a:prstGeom prst="ellipse">
-              <a:avLst/>
-            </a:prstGeom>
-            <a:solidFill>
-              <a:schemeClr val="tx1">
-                <a:lumMod val="65000"/>
-                <a:lumOff val="35000"/>
-              </a:schemeClr>
-            </a:solidFill>
-            <a:ln>
-              <a:noFill/>
-            </a:ln>
-          </p:spPr>
-          <p:style>
-            <a:lnRef idx="2">
-              <a:schemeClr val="accent1">
-                <a:shade val="50000"/>
-              </a:schemeClr>
-            </a:lnRef>
-            <a:fillRef idx="1">
-              <a:schemeClr val="accent1"/>
-            </a:fillRef>
-            <a:effectRef idx="0">
-              <a:schemeClr val="accent1"/>
-            </a:effectRef>
-            <a:fontRef idx="minor">
-              <a:schemeClr val="lt1"/>
-            </a:fontRef>
-          </p:style>
-          <p:txBody>
-            <a:bodyPr rot="0" spcFirstLastPara="0" vertOverflow="overflow" horzOverflow="overflow" vert="horz" wrap="square" lIns="91440" tIns="45720" rIns="91440" bIns="45720" numCol="1" spcCol="0" rtlCol="0" fromWordArt="0" anchor="ctr" anchorCtr="0" forceAA="0" compatLnSpc="1">
-              <a:noAutofit/>
-            </a:bodyPr>
-            <a:lstStyle/>
-            <a:p>
-              <a:pPr algn="ctr"/>
-              <a:endParaRPr lang="zh-CN" altLang="en-US"/>
-            </a:p>
-          </p:txBody>
-        </p:sp>
-        <p:sp>
-          <p:nvSpPr>
-            <p:cNvPr id="8" name="椭圆 7"/>
-            <p:cNvSpPr/>
-            <p:nvPr/>
-          </p:nvSpPr>
-          <p:spPr>
-            <a:xfrm>
-              <a:off x="5075921" y="1872269"/>
-              <a:ext cx="72000" cy="72000"/>
-            </a:xfrm>
-            <a:prstGeom prst="ellipse">
-              <a:avLst/>
-            </a:prstGeom>
-            <a:solidFill>
-              <a:schemeClr val="tx1">
-                <a:lumMod val="65000"/>
-                <a:lumOff val="35000"/>
-              </a:schemeClr>
-            </a:solidFill>
-            <a:ln>
-              <a:noFill/>
-            </a:ln>
-          </p:spPr>
-          <p:style>
-            <a:lnRef idx="2">
-              <a:schemeClr val="accent1">
-                <a:shade val="50000"/>
-              </a:schemeClr>
-            </a:lnRef>
-            <a:fillRef idx="1">
-              <a:schemeClr val="accent1"/>
-            </a:fillRef>
-            <a:effectRef idx="0">
-              <a:schemeClr val="accent1"/>
-            </a:effectRef>
-            <a:fontRef idx="minor">
-              <a:schemeClr val="lt1"/>
-            </a:fontRef>
-          </p:style>
-          <p:txBody>
-            <a:bodyPr rot="0" spcFirstLastPara="0" vertOverflow="overflow" horzOverflow="overflow" vert="horz" wrap="square" lIns="91440" tIns="45720" rIns="91440" bIns="45720" numCol="1" spcCol="0" rtlCol="0" fromWordArt="0" anchor="ctr" anchorCtr="0" forceAA="0" compatLnSpc="1">
-              <a:noAutofit/>
-            </a:bodyPr>
-            <a:lstStyle/>
-            <a:p>
-              <a:pPr algn="ctr"/>
-              <a:endParaRPr lang="zh-CN" altLang="en-US"/>
-            </a:p>
-          </p:txBody>
-        </p:sp>
-        <p:sp>
-          <p:nvSpPr>
-            <p:cNvPr id="9" name="椭圆 8"/>
-            <p:cNvSpPr/>
-            <p:nvPr/>
-          </p:nvSpPr>
-          <p:spPr>
-            <a:xfrm>
-              <a:off x="5074692" y="1009634"/>
-              <a:ext cx="72000" cy="72000"/>
-            </a:xfrm>
-            <a:prstGeom prst="ellipse">
-              <a:avLst/>
-            </a:prstGeom>
-            <a:solidFill>
-              <a:schemeClr val="tx1">
-                <a:lumMod val="65000"/>
-                <a:lumOff val="35000"/>
-              </a:schemeClr>
-            </a:solidFill>
-            <a:ln>
-              <a:noFill/>
-            </a:ln>
-          </p:spPr>
-          <p:style>
-            <a:lnRef idx="2">
-              <a:schemeClr val="accent1">
-                <a:shade val="50000"/>
-              </a:schemeClr>
-            </a:lnRef>
-            <a:fillRef idx="1">
-              <a:schemeClr val="accent1"/>
-            </a:fillRef>
-            <a:effectRef idx="0">
-              <a:schemeClr val="accent1"/>
-            </a:effectRef>
-            <a:fontRef idx="minor">
-              <a:schemeClr val="lt1"/>
-            </a:fontRef>
-          </p:style>
-          <p:txBody>
-            <a:bodyPr rot="0" spcFirstLastPara="0" vertOverflow="overflow" horzOverflow="overflow" vert="horz" wrap="square" lIns="91440" tIns="45720" rIns="91440" bIns="45720" numCol="1" spcCol="0" rtlCol="0" fromWordArt="0" anchor="ctr" anchorCtr="0" forceAA="0" compatLnSpc="1">
-              <a:noAutofit/>
-            </a:bodyPr>
-            <a:lstStyle/>
-            <a:p>
-              <a:pPr algn="ctr"/>
-              <a:endParaRPr lang="zh-CN" altLang="en-US"/>
-            </a:p>
-          </p:txBody>
-        </p:sp>
-      </p:grpSp>
       <p:sp>
         <p:nvSpPr>
-          <p:cNvPr id="17" name="矩形 16"/>
+          <p:cNvPr id="5" name="矩形 4"/>
           <p:cNvSpPr/>
           <p:nvPr/>
         </p:nvSpPr>
         <p:spPr>
           <a:xfrm>
-            <a:off x="1041701" y="1004322"/>
-            <a:ext cx="1107996" cy="369332"/>
+            <a:off x="786153" y="670783"/>
+            <a:ext cx="1313180" cy="769441"/>
           </a:xfrm>
           <a:prstGeom prst="rect">
             <a:avLst/>
@@ -5561,291 +5992,114 @@
           <a:lstStyle/>
           <a:p>
             <a:r>
-              <a:rPr lang="zh-CN" altLang="en-US" dirty="0"/>
-              <a:t>信息浏览</a:t>
-            </a:r>
+              <a:rPr lang="zh-CN" altLang="en-US" sz="4400" dirty="0"/>
+              <a:t>特色</a:t>
+            </a:r>
+            <a:endParaRPr lang="en-US" altLang="zh-CN" sz="4400" dirty="0"/>
           </a:p>
         </p:txBody>
       </p:sp>
-      <p:grpSp>
-        <p:nvGrpSpPr>
-          <p:cNvPr id="19" name="组合 18"/>
-          <p:cNvGrpSpPr/>
-          <p:nvPr/>
-        </p:nvGrpSpPr>
-        <p:grpSpPr>
-          <a:xfrm>
-            <a:off x="930238" y="3255885"/>
-            <a:ext cx="2300757" cy="509896"/>
-            <a:chOff x="888096" y="1000203"/>
-            <a:chExt cx="4259825" cy="944066"/>
-          </a:xfrm>
-        </p:grpSpPr>
-        <p:sp>
-          <p:nvSpPr>
-            <p:cNvPr id="20" name="矩形 19"/>
-            <p:cNvSpPr/>
-            <p:nvPr/>
-          </p:nvSpPr>
-          <p:spPr>
-            <a:xfrm>
-              <a:off x="911225" y="1045634"/>
-              <a:ext cx="4199467" cy="872066"/>
-            </a:xfrm>
-            <a:prstGeom prst="rect">
-              <a:avLst/>
-            </a:prstGeom>
+      <p:sp>
+        <p:nvSpPr>
+          <p:cNvPr id="11" name="菱形 10">
+            <a:extLst>
+              <a:ext uri="{FF2B5EF4-FFF2-40B4-BE49-F238E27FC236}">
+                <a16:creationId xmlns:a16="http://schemas.microsoft.com/office/drawing/2014/main" id="{9212ABE7-DB06-4932-AC90-30803D35EA10}"/>
+              </a:ext>
+            </a:extLst>
+          </p:cNvPr>
+          <p:cNvSpPr/>
+          <p:nvPr/>
+        </p:nvSpPr>
+        <p:spPr>
+          <a:xfrm>
+            <a:off x="585286" y="316188"/>
+            <a:ext cx="1603741" cy="1522354"/>
+          </a:xfrm>
+          <a:prstGeom prst="diamond">
+            <a:avLst/>
+          </a:prstGeom>
+          <a:gradFill flip="none" rotWithShape="1">
+            <a:gsLst>
+              <a:gs pos="0">
+                <a:schemeClr val="accent3">
+                  <a:lumMod val="5000"/>
+                  <a:lumOff val="95000"/>
+                  <a:alpha val="3000"/>
+                </a:schemeClr>
+              </a:gs>
+              <a:gs pos="83000">
+                <a:schemeClr val="accent3">
+                  <a:lumMod val="45000"/>
+                  <a:lumOff val="55000"/>
+                  <a:alpha val="57000"/>
+                </a:schemeClr>
+              </a:gs>
+              <a:gs pos="100000">
+                <a:schemeClr val="accent3">
+                  <a:lumMod val="30000"/>
+                  <a:lumOff val="70000"/>
+                  <a:alpha val="0"/>
+                </a:schemeClr>
+              </a:gs>
+            </a:gsLst>
+            <a:path path="circle">
+              <a:fillToRect l="50000" t="50000" r="50000" b="50000"/>
+            </a:path>
+            <a:tileRect/>
+          </a:gradFill>
+          <a:ln>
             <a:noFill/>
-            <a:ln>
+          </a:ln>
+        </p:spPr>
+        <p:style>
+          <a:lnRef idx="2">
+            <a:schemeClr val="accent1">
+              <a:shade val="50000"/>
+            </a:schemeClr>
+          </a:lnRef>
+          <a:fillRef idx="1">
+            <a:schemeClr val="accent1"/>
+          </a:fillRef>
+          <a:effectRef idx="0">
+            <a:schemeClr val="accent1"/>
+          </a:effectRef>
+          <a:fontRef idx="minor">
+            <a:schemeClr val="lt1"/>
+          </a:fontRef>
+        </p:style>
+        <p:txBody>
+          <a:bodyPr rtlCol="0" anchor="ctr"/>
+          <a:lstStyle/>
+          <a:p>
+            <a:pPr algn="ctr"/>
+            <a:endParaRPr lang="zh-CN" altLang="en-US" sz="6600" b="1" dirty="0">
               <a:solidFill>
-                <a:schemeClr val="bg1">
+                <a:schemeClr val="tx1">
                   <a:lumMod val="75000"/>
+                  <a:lumOff val="25000"/>
                 </a:schemeClr>
               </a:solidFill>
-            </a:ln>
-          </p:spPr>
-          <p:style>
-            <a:lnRef idx="2">
-              <a:schemeClr val="accent1">
-                <a:shade val="50000"/>
-              </a:schemeClr>
-            </a:lnRef>
-            <a:fillRef idx="1">
-              <a:schemeClr val="accent1"/>
-            </a:fillRef>
-            <a:effectRef idx="0">
-              <a:schemeClr val="accent1"/>
-            </a:effectRef>
-            <a:fontRef idx="minor">
-              <a:schemeClr val="lt1"/>
-            </a:fontRef>
-          </p:style>
-          <p:txBody>
-            <a:bodyPr rot="0" spcFirstLastPara="0" vertOverflow="overflow" horzOverflow="overflow" vert="horz" wrap="square" lIns="91440" tIns="45720" rIns="91440" bIns="45720" numCol="1" spcCol="0" rtlCol="0" fromWordArt="0" anchor="ctr" anchorCtr="0" forceAA="0" compatLnSpc="1">
-              <a:noAutofit/>
-            </a:bodyPr>
-            <a:lstStyle/>
-            <a:p>
-              <a:pPr algn="ctr"/>
-              <a:endParaRPr lang="zh-CN" altLang="en-US"/>
-            </a:p>
-          </p:txBody>
-        </p:sp>
-        <p:sp>
-          <p:nvSpPr>
-            <p:cNvPr id="21" name="椭圆 20"/>
-            <p:cNvSpPr/>
-            <p:nvPr/>
-          </p:nvSpPr>
-          <p:spPr>
-            <a:xfrm>
-              <a:off x="888096" y="1000203"/>
-              <a:ext cx="72000" cy="72000"/>
-            </a:xfrm>
-            <a:prstGeom prst="ellipse">
-              <a:avLst/>
-            </a:prstGeom>
-            <a:solidFill>
-              <a:schemeClr val="tx1">
-                <a:lumMod val="65000"/>
-                <a:lumOff val="35000"/>
-              </a:schemeClr>
-            </a:solidFill>
-            <a:ln>
-              <a:noFill/>
-            </a:ln>
-          </p:spPr>
-          <p:style>
-            <a:lnRef idx="2">
-              <a:schemeClr val="accent1">
-                <a:shade val="50000"/>
-              </a:schemeClr>
-            </a:lnRef>
-            <a:fillRef idx="1">
-              <a:schemeClr val="accent1"/>
-            </a:fillRef>
-            <a:effectRef idx="0">
-              <a:schemeClr val="accent1"/>
-            </a:effectRef>
-            <a:fontRef idx="minor">
-              <a:schemeClr val="lt1"/>
-            </a:fontRef>
-          </p:style>
-          <p:txBody>
-            <a:bodyPr rot="0" spcFirstLastPara="0" vertOverflow="overflow" horzOverflow="overflow" vert="horz" wrap="square" lIns="91440" tIns="45720" rIns="91440" bIns="45720" numCol="1" spcCol="0" rtlCol="0" fromWordArt="0" anchor="ctr" anchorCtr="0" forceAA="0" compatLnSpc="1">
-              <a:noAutofit/>
-            </a:bodyPr>
-            <a:lstStyle/>
-            <a:p>
-              <a:pPr algn="ctr"/>
-              <a:endParaRPr lang="zh-CN" altLang="en-US"/>
-            </a:p>
-          </p:txBody>
-        </p:sp>
-        <p:sp>
-          <p:nvSpPr>
-            <p:cNvPr id="22" name="椭圆 21"/>
-            <p:cNvSpPr/>
-            <p:nvPr/>
-          </p:nvSpPr>
-          <p:spPr>
-            <a:xfrm>
-              <a:off x="888096" y="1872269"/>
-              <a:ext cx="72000" cy="72000"/>
-            </a:xfrm>
-            <a:prstGeom prst="ellipse">
-              <a:avLst/>
-            </a:prstGeom>
-            <a:solidFill>
-              <a:schemeClr val="tx1">
-                <a:lumMod val="65000"/>
-                <a:lumOff val="35000"/>
-              </a:schemeClr>
-            </a:solidFill>
-            <a:ln>
-              <a:noFill/>
-            </a:ln>
-          </p:spPr>
-          <p:style>
-            <a:lnRef idx="2">
-              <a:schemeClr val="accent1">
-                <a:shade val="50000"/>
-              </a:schemeClr>
-            </a:lnRef>
-            <a:fillRef idx="1">
-              <a:schemeClr val="accent1"/>
-            </a:fillRef>
-            <a:effectRef idx="0">
-              <a:schemeClr val="accent1"/>
-            </a:effectRef>
-            <a:fontRef idx="minor">
-              <a:schemeClr val="lt1"/>
-            </a:fontRef>
-          </p:style>
-          <p:txBody>
-            <a:bodyPr rot="0" spcFirstLastPara="0" vertOverflow="overflow" horzOverflow="overflow" vert="horz" wrap="square" lIns="91440" tIns="45720" rIns="91440" bIns="45720" numCol="1" spcCol="0" rtlCol="0" fromWordArt="0" anchor="ctr" anchorCtr="0" forceAA="0" compatLnSpc="1">
-              <a:noAutofit/>
-            </a:bodyPr>
-            <a:lstStyle/>
-            <a:p>
-              <a:pPr algn="ctr"/>
-              <a:endParaRPr lang="zh-CN" altLang="en-US"/>
-            </a:p>
-          </p:txBody>
-        </p:sp>
-        <p:sp>
-          <p:nvSpPr>
-            <p:cNvPr id="23" name="椭圆 22"/>
-            <p:cNvSpPr/>
-            <p:nvPr/>
-          </p:nvSpPr>
-          <p:spPr>
-            <a:xfrm>
-              <a:off x="5075921" y="1872269"/>
-              <a:ext cx="72000" cy="72000"/>
-            </a:xfrm>
-            <a:prstGeom prst="ellipse">
-              <a:avLst/>
-            </a:prstGeom>
-            <a:solidFill>
-              <a:schemeClr val="tx1">
-                <a:lumMod val="65000"/>
-                <a:lumOff val="35000"/>
-              </a:schemeClr>
-            </a:solidFill>
-            <a:ln>
-              <a:noFill/>
-            </a:ln>
-          </p:spPr>
-          <p:style>
-            <a:lnRef idx="2">
-              <a:schemeClr val="accent1">
-                <a:shade val="50000"/>
-              </a:schemeClr>
-            </a:lnRef>
-            <a:fillRef idx="1">
-              <a:schemeClr val="accent1"/>
-            </a:fillRef>
-            <a:effectRef idx="0">
-              <a:schemeClr val="accent1"/>
-            </a:effectRef>
-            <a:fontRef idx="minor">
-              <a:schemeClr val="lt1"/>
-            </a:fontRef>
-          </p:style>
-          <p:txBody>
-            <a:bodyPr rot="0" spcFirstLastPara="0" vertOverflow="overflow" horzOverflow="overflow" vert="horz" wrap="square" lIns="91440" tIns="45720" rIns="91440" bIns="45720" numCol="1" spcCol="0" rtlCol="0" fromWordArt="0" anchor="ctr" anchorCtr="0" forceAA="0" compatLnSpc="1">
-              <a:noAutofit/>
-            </a:bodyPr>
-            <a:lstStyle/>
-            <a:p>
-              <a:pPr algn="ctr"/>
-              <a:endParaRPr lang="zh-CN" altLang="en-US"/>
-            </a:p>
-          </p:txBody>
-        </p:sp>
-        <p:sp>
-          <p:nvSpPr>
-            <p:cNvPr id="24" name="椭圆 23"/>
-            <p:cNvSpPr/>
-            <p:nvPr/>
-          </p:nvSpPr>
-          <p:spPr>
-            <a:xfrm>
-              <a:off x="5074692" y="1009634"/>
-              <a:ext cx="72000" cy="72000"/>
-            </a:xfrm>
-            <a:prstGeom prst="ellipse">
-              <a:avLst/>
-            </a:prstGeom>
-            <a:solidFill>
-              <a:schemeClr val="tx1">
-                <a:lumMod val="65000"/>
-                <a:lumOff val="35000"/>
-              </a:schemeClr>
-            </a:solidFill>
-            <a:ln>
-              <a:noFill/>
-            </a:ln>
-          </p:spPr>
-          <p:style>
-            <a:lnRef idx="2">
-              <a:schemeClr val="accent1">
-                <a:shade val="50000"/>
-              </a:schemeClr>
-            </a:lnRef>
-            <a:fillRef idx="1">
-              <a:schemeClr val="accent1"/>
-            </a:fillRef>
-            <a:effectRef idx="0">
-              <a:schemeClr val="accent1"/>
-            </a:effectRef>
-            <a:fontRef idx="minor">
-              <a:schemeClr val="lt1"/>
-            </a:fontRef>
-          </p:style>
-          <p:txBody>
-            <a:bodyPr rot="0" spcFirstLastPara="0" vertOverflow="overflow" horzOverflow="overflow" vert="horz" wrap="square" lIns="91440" tIns="45720" rIns="91440" bIns="45720" numCol="1" spcCol="0" rtlCol="0" fromWordArt="0" anchor="ctr" anchorCtr="0" forceAA="0" compatLnSpc="1">
-              <a:noAutofit/>
-            </a:bodyPr>
-            <a:lstStyle/>
-            <a:p>
-              <a:pPr algn="ctr"/>
-              <a:endParaRPr lang="zh-CN" altLang="en-US"/>
-            </a:p>
-          </p:txBody>
-        </p:sp>
-      </p:grpSp>
+            </a:endParaRPr>
+          </a:p>
+        </p:txBody>
+      </p:sp>
       <p:sp>
         <p:nvSpPr>
-          <p:cNvPr id="25" name="矩形 24"/>
+          <p:cNvPr id="18" name="矩形 17">
+            <a:extLst>
+              <a:ext uri="{FF2B5EF4-FFF2-40B4-BE49-F238E27FC236}">
+                <a16:creationId xmlns:a16="http://schemas.microsoft.com/office/drawing/2014/main" id="{D0ACE41D-1288-44E6-8B29-0A27E3B5DA55}"/>
+              </a:ext>
+            </a:extLst>
+          </p:cNvPr>
           <p:cNvSpPr/>
           <p:nvPr/>
         </p:nvSpPr>
         <p:spPr>
           <a:xfrm>
-            <a:off x="1138417" y="3326167"/>
-            <a:ext cx="1107996" cy="369332"/>
+            <a:off x="945512" y="2225342"/>
+            <a:ext cx="4804713" cy="923330"/>
           </a:xfrm>
           <a:prstGeom prst="rect">
             <a:avLst/>
@@ -5859,8 +6113,112 @@
           <a:p>
             <a:r>
               <a:rPr lang="zh-CN" altLang="en-US" dirty="0"/>
-              <a:t>信息查询</a:t>
-            </a:r>
+              <a:t>利用</a:t>
+            </a:r>
+            <a:r>
+              <a:rPr lang="zh-CN" altLang="en-US" dirty="0">
+                <a:solidFill>
+                  <a:srgbClr val="FF0000"/>
+                </a:solidFill>
+              </a:rPr>
+              <a:t>冒泡法</a:t>
+            </a:r>
+            <a:r>
+              <a:rPr lang="zh-CN" altLang="en-US" dirty="0"/>
+              <a:t>以及</a:t>
+            </a:r>
+            <a:r>
+              <a:rPr lang="zh-CN" altLang="en-US" dirty="0">
+                <a:solidFill>
+                  <a:srgbClr val="FF0000"/>
+                </a:solidFill>
+              </a:rPr>
+              <a:t>字符串比较函数</a:t>
+            </a:r>
+            <a:r>
+              <a:rPr lang="en-US" altLang="zh-CN" dirty="0" err="1">
+                <a:solidFill>
+                  <a:srgbClr val="FF0000"/>
+                </a:solidFill>
+              </a:rPr>
+              <a:t>strcmp</a:t>
+            </a:r>
+            <a:r>
+              <a:rPr lang="zh-CN" altLang="en-US" dirty="0"/>
+              <a:t>对姓名</a:t>
+            </a:r>
+            <a:endParaRPr lang="en-US" altLang="zh-CN" dirty="0"/>
+          </a:p>
+          <a:p>
+            <a:r>
+              <a:rPr lang="zh-CN" altLang="en-US" dirty="0"/>
+              <a:t>进行排序</a:t>
+            </a:r>
+            <a:endParaRPr lang="en-US" altLang="zh-CN" dirty="0"/>
+          </a:p>
+          <a:p>
+            <a:endParaRPr lang="zh-CN" altLang="en-US" dirty="0"/>
+          </a:p>
+        </p:txBody>
+      </p:sp>
+      <p:sp>
+        <p:nvSpPr>
+          <p:cNvPr id="9" name="矩形 8">
+            <a:extLst>
+              <a:ext uri="{FF2B5EF4-FFF2-40B4-BE49-F238E27FC236}">
+                <a16:creationId xmlns:a16="http://schemas.microsoft.com/office/drawing/2014/main" id="{4AA2826F-315F-4BFD-830F-88B2AB8194FB}"/>
+              </a:ext>
+            </a:extLst>
+          </p:cNvPr>
+          <p:cNvSpPr/>
+          <p:nvPr/>
+        </p:nvSpPr>
+        <p:spPr>
+          <a:xfrm>
+            <a:off x="2021117" y="576584"/>
+            <a:ext cx="558166" cy="923330"/>
+          </a:xfrm>
+          <a:prstGeom prst="rect">
+            <a:avLst/>
+          </a:prstGeom>
+          <a:noFill/>
+        </p:spPr>
+        <p:txBody>
+          <a:bodyPr wrap="none" lIns="91440" tIns="45720" rIns="91440" bIns="45720">
+            <a:spAutoFit/>
+          </a:bodyPr>
+          <a:lstStyle/>
+          <a:p>
+            <a:pPr algn="ctr"/>
+            <a:r>
+              <a:rPr lang="en-US" altLang="zh-CN" sz="5400" b="0" cap="none" spc="0" dirty="0">
+                <a:ln w="0"/>
+                <a:solidFill>
+                  <a:schemeClr val="accent1"/>
+                </a:solidFill>
+                <a:effectLst>
+                  <a:outerShdw blurRad="38100" dist="25400" dir="5400000" algn="ctr" rotWithShape="0">
+                    <a:srgbClr val="6E747A">
+                      <a:alpha val="43000"/>
+                    </a:srgbClr>
+                  </a:outerShdw>
+                </a:effectLst>
+              </a:rPr>
+              <a:t>4</a:t>
+            </a:r>
+            <a:endParaRPr lang="zh-CN" altLang="en-US" sz="5400" b="0" cap="none" spc="0" dirty="0">
+              <a:ln w="0"/>
+              <a:solidFill>
+                <a:schemeClr val="accent1"/>
+              </a:solidFill>
+              <a:effectLst>
+                <a:outerShdw blurRad="38100" dist="25400" dir="5400000" algn="ctr" rotWithShape="0">
+                  <a:srgbClr val="6E747A">
+                    <a:alpha val="43000"/>
+                  </a:srgbClr>
+                </a:outerShdw>
+              </a:effectLst>
+            </a:endParaRPr>
           </a:p>
         </p:txBody>
       </p:sp>
@@ -5869,37 +6227,7 @@
           <p:cNvPr id="12" name="图片 11">
             <a:extLst>
               <a:ext uri="{FF2B5EF4-FFF2-40B4-BE49-F238E27FC236}">
-                <a16:creationId xmlns:a16="http://schemas.microsoft.com/office/drawing/2014/main" id="{C0ED78A5-6688-450A-A292-DCFB6B925314}"/>
-              </a:ext>
-            </a:extLst>
-          </p:cNvPr>
-          <p:cNvPicPr>
-            <a:picLocks noChangeAspect="1"/>
-          </p:cNvPicPr>
-          <p:nvPr/>
-        </p:nvPicPr>
-        <p:blipFill>
-          <a:blip r:embed="rId2"/>
-          <a:stretch>
-            <a:fillRect/>
-          </a:stretch>
-        </p:blipFill>
-        <p:spPr>
-          <a:xfrm>
-            <a:off x="3422446" y="928946"/>
-            <a:ext cx="5975600" cy="1282996"/>
-          </a:xfrm>
-          <a:prstGeom prst="rect">
-            <a:avLst/>
-          </a:prstGeom>
-        </p:spPr>
-      </p:pic>
-      <p:pic>
-        <p:nvPicPr>
-          <p:cNvPr id="45" name="图片 44">
-            <a:extLst>
-              <a:ext uri="{FF2B5EF4-FFF2-40B4-BE49-F238E27FC236}">
-                <a16:creationId xmlns:a16="http://schemas.microsoft.com/office/drawing/2014/main" id="{B21F606B-3048-4286-95B8-573EA9A40C61}"/>
+                <a16:creationId xmlns:a16="http://schemas.microsoft.com/office/drawing/2014/main" id="{4F1F5AA4-127E-4BE4-91AB-CA26CF877A66}"/>
               </a:ext>
             </a:extLst>
           </p:cNvPr>
@@ -5916,15 +6244,120 @@
         </p:blipFill>
         <p:spPr>
           <a:xfrm>
-            <a:off x="3431420" y="3290072"/>
-            <a:ext cx="5975600" cy="972150"/>
+            <a:off x="375464" y="4855795"/>
+            <a:ext cx="5975600" cy="1282996"/>
           </a:xfrm>
           <a:prstGeom prst="rect">
             <a:avLst/>
           </a:prstGeom>
         </p:spPr>
       </p:pic>
+      <p:pic>
+        <p:nvPicPr>
+          <p:cNvPr id="6" name="图片 5">
+            <a:extLst>
+              <a:ext uri="{FF2B5EF4-FFF2-40B4-BE49-F238E27FC236}">
+                <a16:creationId xmlns:a16="http://schemas.microsoft.com/office/drawing/2014/main" id="{57F63042-8A42-4135-AB1C-2049615E08D3}"/>
+              </a:ext>
+            </a:extLst>
+          </p:cNvPr>
+          <p:cNvPicPr>
+            <a:picLocks noChangeAspect="1"/>
+          </p:cNvPicPr>
+          <p:nvPr/>
+        </p:nvPicPr>
+        <p:blipFill>
+          <a:blip r:embed="rId4"/>
+          <a:stretch>
+            <a:fillRect/>
+          </a:stretch>
+        </p:blipFill>
+        <p:spPr>
+          <a:xfrm>
+            <a:off x="6252192" y="1409407"/>
+            <a:ext cx="5939808" cy="3204269"/>
+          </a:xfrm>
+          <a:prstGeom prst="rect">
+            <a:avLst/>
+          </a:prstGeom>
+        </p:spPr>
+      </p:pic>
+      <p:sp>
+        <p:nvSpPr>
+          <p:cNvPr id="7" name="文本框 6">
+            <a:extLst>
+              <a:ext uri="{FF2B5EF4-FFF2-40B4-BE49-F238E27FC236}">
+                <a16:creationId xmlns:a16="http://schemas.microsoft.com/office/drawing/2014/main" id="{A0C8A69C-A645-446C-9BAA-20BD2BCF174F}"/>
+              </a:ext>
+            </a:extLst>
+          </p:cNvPr>
+          <p:cNvSpPr txBox="1"/>
+          <p:nvPr/>
+        </p:nvSpPr>
+        <p:spPr>
+          <a:xfrm>
+            <a:off x="1900984" y="4032289"/>
+            <a:ext cx="4450080" cy="646331"/>
+          </a:xfrm>
+          <a:prstGeom prst="rect">
+            <a:avLst/>
+          </a:prstGeom>
+          <a:noFill/>
+        </p:spPr>
+        <p:txBody>
+          <a:bodyPr wrap="square" rtlCol="0">
+            <a:spAutoFit/>
+          </a:bodyPr>
+          <a:lstStyle/>
+          <a:p>
+            <a:r>
+              <a:rPr lang="zh-CN" altLang="en-US" sz="3600" dirty="0"/>
+              <a:t>运行结果</a:t>
+            </a:r>
+          </a:p>
+        </p:txBody>
+      </p:sp>
+      <p:sp>
+        <p:nvSpPr>
+          <p:cNvPr id="8" name="文本框 7">
+            <a:extLst>
+              <a:ext uri="{FF2B5EF4-FFF2-40B4-BE49-F238E27FC236}">
+                <a16:creationId xmlns:a16="http://schemas.microsoft.com/office/drawing/2014/main" id="{6A7932A6-E816-4C3D-B5E9-1853B6D3AE10}"/>
+              </a:ext>
+            </a:extLst>
+          </p:cNvPr>
+          <p:cNvSpPr txBox="1"/>
+          <p:nvPr/>
+        </p:nvSpPr>
+        <p:spPr>
+          <a:xfrm>
+            <a:off x="6437583" y="626368"/>
+            <a:ext cx="1785235" cy="707886"/>
+          </a:xfrm>
+          <a:prstGeom prst="rect">
+            <a:avLst/>
+          </a:prstGeom>
+          <a:noFill/>
+        </p:spPr>
+        <p:txBody>
+          <a:bodyPr wrap="square" rtlCol="0">
+            <a:spAutoFit/>
+          </a:bodyPr>
+          <a:lstStyle/>
+          <a:p>
+            <a:r>
+              <a:rPr lang="zh-CN" altLang="en-US" sz="4000" dirty="0"/>
+              <a:t>代码</a:t>
+            </a:r>
+          </a:p>
+        </p:txBody>
+      </p:sp>
     </p:spTree>
+    <p:extLst>
+      <p:ext uri="{BB962C8B-B14F-4D97-AF65-F5344CB8AC3E}">
+        <p14:creationId xmlns:p14="http://schemas.microsoft.com/office/powerpoint/2010/main" val="1943057519"/>
+      </p:ext>
+    </p:extLst>
   </p:cSld>
   <p:clrMapOvr>
     <a:masterClrMapping/>
@@ -5984,7 +6417,7 @@
           <a:p>
             <a:r>
               <a:rPr lang="zh-CN" altLang="en-US" sz="1400" b="1" dirty="0"/>
-              <a:t>其他功能</a:t>
+              <a:t>其它功能</a:t>
             </a:r>
           </a:p>
         </p:txBody>
@@ -5997,7 +6430,7 @@
         </p:nvSpPr>
         <p:spPr>
           <a:xfrm>
-            <a:off x="1757150" y="157740"/>
+            <a:off x="1756130" y="157740"/>
             <a:ext cx="130917" cy="113341"/>
           </a:xfrm>
           <a:prstGeom prst="ellipse">
@@ -6039,21 +6472,21 @@
       </p:sp>
       <p:grpSp>
         <p:nvGrpSpPr>
-          <p:cNvPr id="27" name="组合 26"/>
+          <p:cNvPr id="13" name="组合 12"/>
           <p:cNvGrpSpPr/>
           <p:nvPr/>
         </p:nvGrpSpPr>
         <p:grpSpPr>
           <a:xfrm>
-            <a:off x="1388782" y="939005"/>
-            <a:ext cx="1819645" cy="471008"/>
+            <a:off x="910794" y="928946"/>
+            <a:ext cx="2300757" cy="509896"/>
             <a:chOff x="888096" y="1000203"/>
             <a:chExt cx="4259825" cy="944066"/>
           </a:xfrm>
         </p:grpSpPr>
         <p:sp>
           <p:nvSpPr>
-            <p:cNvPr id="28" name="矩形 27"/>
+            <p:cNvPr id="5" name="矩形 4"/>
             <p:cNvSpPr/>
             <p:nvPr/>
           </p:nvSpPr>
@@ -6103,7 +6536,7 @@
         </p:sp>
         <p:sp>
           <p:nvSpPr>
-            <p:cNvPr id="29" name="椭圆 28"/>
+            <p:cNvPr id="6" name="椭圆 5"/>
             <p:cNvSpPr/>
             <p:nvPr/>
           </p:nvSpPr>
@@ -6154,7 +6587,7 @@
         </p:sp>
         <p:sp>
           <p:nvSpPr>
-            <p:cNvPr id="30" name="椭圆 29"/>
+            <p:cNvPr id="7" name="椭圆 6"/>
             <p:cNvSpPr/>
             <p:nvPr/>
           </p:nvSpPr>
@@ -6205,7 +6638,7 @@
         </p:sp>
         <p:sp>
           <p:nvSpPr>
-            <p:cNvPr id="31" name="椭圆 30"/>
+            <p:cNvPr id="8" name="椭圆 7"/>
             <p:cNvSpPr/>
             <p:nvPr/>
           </p:nvSpPr>
@@ -6256,7 +6689,7 @@
         </p:sp>
         <p:sp>
           <p:nvSpPr>
-            <p:cNvPr id="32" name="椭圆 31"/>
+            <p:cNvPr id="9" name="椭圆 8"/>
             <p:cNvSpPr/>
             <p:nvPr/>
           </p:nvSpPr>
@@ -6308,42 +6741,14 @@
       </p:grpSp>
       <p:sp>
         <p:nvSpPr>
-          <p:cNvPr id="33" name="矩形 32"/>
+          <p:cNvPr id="17" name="矩形 16"/>
           <p:cNvSpPr/>
           <p:nvPr/>
         </p:nvSpPr>
         <p:spPr>
           <a:xfrm>
-            <a:off x="1744607" y="975893"/>
-            <a:ext cx="1107996" cy="369332"/>
-          </a:xfrm>
-          <a:prstGeom prst="rect">
-            <a:avLst/>
-          </a:prstGeom>
-        </p:spPr>
-        <p:txBody>
-          <a:bodyPr wrap="none">
-            <a:spAutoFit/>
-          </a:bodyPr>
-          <a:lstStyle/>
-          <a:p>
-            <a:r>
-              <a:rPr lang="zh-CN" altLang="en-US" dirty="0"/>
-              <a:t>信息修改</a:t>
-            </a:r>
-          </a:p>
-        </p:txBody>
-      </p:sp>
-      <p:sp>
-        <p:nvSpPr>
-          <p:cNvPr id="34" name="矩形 33"/>
-          <p:cNvSpPr/>
-          <p:nvPr/>
-        </p:nvSpPr>
-        <p:spPr>
-          <a:xfrm>
-            <a:off x="1640642" y="2165202"/>
-            <a:ext cx="988872" cy="345094"/>
+            <a:off x="1449908" y="1004322"/>
+            <a:ext cx="1222528" cy="369332"/>
           </a:xfrm>
           <a:prstGeom prst="rect">
             <a:avLst/>
@@ -6355,73 +6760,23 @@
           </a:bodyPr>
           <a:lstStyle/>
           <a:p>
-            <a:pPr>
-              <a:lnSpc>
-                <a:spcPct val="130000"/>
-              </a:lnSpc>
-            </a:pPr>
-            <a:r>
-              <a:rPr lang="zh-CN" altLang="en-US" sz="1400" dirty="0">
+            <a:r>
+              <a:rPr lang="zh-CN" altLang="en-US" dirty="0">
                 <a:solidFill>
-                  <a:schemeClr val="bg1">
-                    <a:lumMod val="50000"/>
-                  </a:schemeClr>
+                  <a:srgbClr val="FF0000"/>
                 </a:solidFill>
-                <a:latin typeface="微软雅黑" panose="020B0503020204020204" charset="-122"/>
-                <a:ea typeface="微软雅黑" panose="020B0503020204020204" charset="-122"/>
               </a:rPr>
-              <a:t>添加信息</a:t>
-            </a:r>
-          </a:p>
-        </p:txBody>
-      </p:sp>
-      <p:sp>
-        <p:nvSpPr>
-          <p:cNvPr id="42" name="矩形 41"/>
-          <p:cNvSpPr/>
-          <p:nvPr/>
-        </p:nvSpPr>
-        <p:spPr>
-          <a:xfrm>
-            <a:off x="1757150" y="4816941"/>
-            <a:ext cx="2044103" cy="345094"/>
-          </a:xfrm>
-          <a:prstGeom prst="rect">
-            <a:avLst/>
-          </a:prstGeom>
-        </p:spPr>
-        <p:txBody>
-          <a:bodyPr wrap="square">
-            <a:spAutoFit/>
-          </a:bodyPr>
-          <a:lstStyle/>
-          <a:p>
-            <a:pPr>
-              <a:lnSpc>
-                <a:spcPct val="130000"/>
-              </a:lnSpc>
-            </a:pPr>
-            <a:r>
-              <a:rPr lang="zh-CN" altLang="en-US" sz="1400" dirty="0">
-                <a:solidFill>
-                  <a:schemeClr val="bg1">
-                    <a:lumMod val="50000"/>
-                  </a:schemeClr>
-                </a:solidFill>
-                <a:latin typeface="微软雅黑" panose="020B0503020204020204" charset="-122"/>
-                <a:ea typeface="微软雅黑" panose="020B0503020204020204" charset="-122"/>
-              </a:rPr>
-              <a:t>删除信息</a:t>
+              <a:t>信息浏览</a:t>
             </a:r>
           </a:p>
         </p:txBody>
       </p:sp>
       <p:pic>
         <p:nvPicPr>
-          <p:cNvPr id="15" name="图片 14">
+          <p:cNvPr id="10" name="图片 9">
             <a:extLst>
               <a:ext uri="{FF2B5EF4-FFF2-40B4-BE49-F238E27FC236}">
-                <a16:creationId xmlns:a16="http://schemas.microsoft.com/office/drawing/2014/main" id="{0EADE14E-05B6-4AFB-ABA8-849A14A1DB5C}"/>
+                <a16:creationId xmlns:a16="http://schemas.microsoft.com/office/drawing/2014/main" id="{4D0DEA41-B97D-44D5-91DD-05D26D6C3342}"/>
               </a:ext>
             </a:extLst>
           </p:cNvPr>
@@ -6438,8 +6793,8 @@
         </p:blipFill>
         <p:spPr>
           <a:xfrm>
-            <a:off x="4845877" y="843421"/>
-            <a:ext cx="2668041" cy="1062118"/>
+            <a:off x="329485" y="1946889"/>
+            <a:ext cx="10442689" cy="1997866"/>
           </a:xfrm>
           <a:prstGeom prst="rect">
             <a:avLst/>
@@ -6448,10 +6803,10 @@
       </p:pic>
       <p:pic>
         <p:nvPicPr>
-          <p:cNvPr id="43" name="图片 42">
+          <p:cNvPr id="14" name="图片 13">
             <a:extLst>
               <a:ext uri="{FF2B5EF4-FFF2-40B4-BE49-F238E27FC236}">
-                <a16:creationId xmlns:a16="http://schemas.microsoft.com/office/drawing/2014/main" id="{24F0796C-0660-434F-A41E-D61680613FFF}"/>
+                <a16:creationId xmlns:a16="http://schemas.microsoft.com/office/drawing/2014/main" id="{1E7E77E7-CF55-4114-8B8C-C9C9846597A4}"/>
               </a:ext>
             </a:extLst>
           </p:cNvPr>
@@ -6468,217 +6823,15 @@
         </p:blipFill>
         <p:spPr>
           <a:xfrm>
-            <a:off x="996990" y="2619975"/>
-            <a:ext cx="3314061" cy="1470477"/>
+            <a:off x="451405" y="4652398"/>
+            <a:ext cx="5974598" cy="1280271"/>
           </a:xfrm>
           <a:prstGeom prst="rect">
             <a:avLst/>
           </a:prstGeom>
         </p:spPr>
       </p:pic>
-      <p:pic>
-        <p:nvPicPr>
-          <p:cNvPr id="11" name="图片 10">
-            <a:extLst>
-              <a:ext uri="{FF2B5EF4-FFF2-40B4-BE49-F238E27FC236}">
-                <a16:creationId xmlns:a16="http://schemas.microsoft.com/office/drawing/2014/main" id="{55A7F68D-82A0-4A38-88F4-EB854CFDB1AC}"/>
-              </a:ext>
-            </a:extLst>
-          </p:cNvPr>
-          <p:cNvPicPr>
-            <a:picLocks noChangeAspect="1"/>
-          </p:cNvPicPr>
-          <p:nvPr/>
-        </p:nvPicPr>
-        <p:blipFill>
-          <a:blip r:embed="rId4"/>
-          <a:stretch>
-            <a:fillRect/>
-          </a:stretch>
-        </p:blipFill>
-        <p:spPr>
-          <a:xfrm>
-            <a:off x="999351" y="5406689"/>
-            <a:ext cx="3311700" cy="489640"/>
-          </a:xfrm>
-          <a:prstGeom prst="rect">
-            <a:avLst/>
-          </a:prstGeom>
-        </p:spPr>
-      </p:pic>
-      <p:pic>
-        <p:nvPicPr>
-          <p:cNvPr id="16" name="图片 15">
-            <a:extLst>
-              <a:ext uri="{FF2B5EF4-FFF2-40B4-BE49-F238E27FC236}">
-                <a16:creationId xmlns:a16="http://schemas.microsoft.com/office/drawing/2014/main" id="{977F9804-FEDD-4131-91A7-3D56AA807C16}"/>
-              </a:ext>
-            </a:extLst>
-          </p:cNvPr>
-          <p:cNvPicPr>
-            <a:picLocks noChangeAspect="1"/>
-          </p:cNvPicPr>
-          <p:nvPr/>
-        </p:nvPicPr>
-        <p:blipFill>
-          <a:blip r:embed="rId5"/>
-          <a:stretch>
-            <a:fillRect/>
-          </a:stretch>
-        </p:blipFill>
-        <p:spPr>
-          <a:xfrm>
-            <a:off x="4793282" y="2619975"/>
-            <a:ext cx="5230284" cy="1897626"/>
-          </a:xfrm>
-          <a:prstGeom prst="rect">
-            <a:avLst/>
-          </a:prstGeom>
-        </p:spPr>
-      </p:pic>
-      <p:sp>
-        <p:nvSpPr>
-          <p:cNvPr id="44" name="矩形 43">
-            <a:extLst>
-              <a:ext uri="{FF2B5EF4-FFF2-40B4-BE49-F238E27FC236}">
-                <a16:creationId xmlns:a16="http://schemas.microsoft.com/office/drawing/2014/main" id="{0EFAAA08-EDF1-4190-98F8-93BBDA964962}"/>
-              </a:ext>
-            </a:extLst>
-          </p:cNvPr>
-          <p:cNvSpPr/>
-          <p:nvPr/>
-        </p:nvSpPr>
-        <p:spPr>
-          <a:xfrm>
-            <a:off x="5157847" y="2165202"/>
-            <a:ext cx="2044103" cy="345094"/>
-          </a:xfrm>
-          <a:prstGeom prst="rect">
-            <a:avLst/>
-          </a:prstGeom>
-        </p:spPr>
-        <p:txBody>
-          <a:bodyPr wrap="square">
-            <a:spAutoFit/>
-          </a:bodyPr>
-          <a:lstStyle/>
-          <a:p>
-            <a:pPr>
-              <a:lnSpc>
-                <a:spcPct val="130000"/>
-              </a:lnSpc>
-            </a:pPr>
-            <a:r>
-              <a:rPr lang="zh-CN" altLang="en-US" sz="1400" dirty="0">
-                <a:solidFill>
-                  <a:schemeClr val="bg1">
-                    <a:lumMod val="50000"/>
-                  </a:schemeClr>
-                </a:solidFill>
-                <a:latin typeface="微软雅黑" panose="020B0503020204020204" charset="-122"/>
-                <a:ea typeface="微软雅黑" panose="020B0503020204020204" charset="-122"/>
-              </a:rPr>
-              <a:t>替换信息</a:t>
-            </a:r>
-          </a:p>
-        </p:txBody>
-      </p:sp>
-      <p:cxnSp>
-        <p:nvCxnSpPr>
-          <p:cNvPr id="18" name="直接连接符 17">
-            <a:extLst>
-              <a:ext uri="{FF2B5EF4-FFF2-40B4-BE49-F238E27FC236}">
-                <a16:creationId xmlns:a16="http://schemas.microsoft.com/office/drawing/2014/main" id="{45B101BF-BE77-40CF-B1C7-B5A7E4370AC3}"/>
-              </a:ext>
-            </a:extLst>
-          </p:cNvPr>
-          <p:cNvCxnSpPr>
-            <a:cxnSpLocks/>
-          </p:cNvCxnSpPr>
-          <p:nvPr/>
-        </p:nvCxnSpPr>
-        <p:spPr>
-          <a:xfrm>
-            <a:off x="902811" y="2156656"/>
-            <a:ext cx="8694035" cy="0"/>
-          </a:xfrm>
-          <a:prstGeom prst="line">
-            <a:avLst/>
-          </a:prstGeom>
-          <a:ln>
-            <a:solidFill>
-              <a:schemeClr val="bg1">
-                <a:lumMod val="65000"/>
-              </a:schemeClr>
-            </a:solidFill>
-          </a:ln>
-        </p:spPr>
-        <p:style>
-          <a:lnRef idx="1">
-            <a:schemeClr val="accent1"/>
-          </a:lnRef>
-          <a:fillRef idx="0">
-            <a:schemeClr val="accent1"/>
-          </a:fillRef>
-          <a:effectRef idx="0">
-            <a:schemeClr val="accent1"/>
-          </a:effectRef>
-          <a:fontRef idx="minor">
-            <a:schemeClr val="tx1"/>
-          </a:fontRef>
-        </p:style>
-      </p:cxnSp>
-      <p:cxnSp>
-        <p:nvCxnSpPr>
-          <p:cNvPr id="21" name="直接连接符 20">
-            <a:extLst>
-              <a:ext uri="{FF2B5EF4-FFF2-40B4-BE49-F238E27FC236}">
-                <a16:creationId xmlns:a16="http://schemas.microsoft.com/office/drawing/2014/main" id="{9E70994E-A33C-423A-99D8-D0FF6EC9CA61}"/>
-              </a:ext>
-            </a:extLst>
-          </p:cNvPr>
-          <p:cNvCxnSpPr>
-            <a:cxnSpLocks/>
-          </p:cNvCxnSpPr>
-          <p:nvPr/>
-        </p:nvCxnSpPr>
-        <p:spPr>
-          <a:xfrm>
-            <a:off x="902810" y="4816941"/>
-            <a:ext cx="8694035" cy="0"/>
-          </a:xfrm>
-          <a:prstGeom prst="line">
-            <a:avLst/>
-          </a:prstGeom>
-          <a:ln>
-            <a:solidFill>
-              <a:schemeClr val="bg1">
-                <a:lumMod val="65000"/>
-              </a:schemeClr>
-            </a:solidFill>
-          </a:ln>
-        </p:spPr>
-        <p:style>
-          <a:lnRef idx="1">
-            <a:schemeClr val="accent1"/>
-          </a:lnRef>
-          <a:fillRef idx="0">
-            <a:schemeClr val="accent1"/>
-          </a:fillRef>
-          <a:effectRef idx="0">
-            <a:schemeClr val="accent1"/>
-          </a:effectRef>
-          <a:fontRef idx="minor">
-            <a:schemeClr val="tx1"/>
-          </a:fontRef>
-        </p:style>
-      </p:cxnSp>
     </p:spTree>
-    <p:extLst>
-      <p:ext uri="{BB962C8B-B14F-4D97-AF65-F5344CB8AC3E}">
-        <p14:creationId xmlns:p14="http://schemas.microsoft.com/office/powerpoint/2010/main" val="1168299582"/>
-      </p:ext>
-    </p:extLst>
   </p:cSld>
   <p:clrMapOvr>
     <a:masterClrMapping/>
@@ -6717,14 +6870,14 @@
       </p:grpSpPr>
       <p:sp>
         <p:nvSpPr>
-          <p:cNvPr id="5" name="矩形 4"/>
+          <p:cNvPr id="2" name="矩形 1"/>
           <p:cNvSpPr/>
           <p:nvPr/>
         </p:nvSpPr>
         <p:spPr>
           <a:xfrm>
-            <a:off x="1793700" y="2360410"/>
-            <a:ext cx="8604600" cy="830997"/>
+            <a:off x="0" y="60523"/>
+            <a:ext cx="902811" cy="307777"/>
           </a:xfrm>
           <a:prstGeom prst="rect">
             <a:avLst/>
@@ -6736,30 +6889,29 @@
           </a:bodyPr>
           <a:lstStyle/>
           <a:p>
-            <a:pPr algn="ctr"/>
-            <a:r>
-              <a:rPr lang="en-US" altLang="zh-CN" sz="4800" b="1" dirty="0"/>
-              <a:t>THANK YOU FOR WATCHING</a:t>
+            <a:r>
+              <a:rPr lang="zh-CN" altLang="en-US" sz="1400" b="1" dirty="0"/>
+              <a:t>其它功能</a:t>
             </a:r>
           </a:p>
         </p:txBody>
       </p:sp>
       <p:sp>
         <p:nvSpPr>
-          <p:cNvPr id="9" name="椭圆 8"/>
+          <p:cNvPr id="3" name="椭圆 2"/>
           <p:cNvSpPr/>
           <p:nvPr/>
         </p:nvSpPr>
         <p:spPr>
           <a:xfrm>
-            <a:off x="2312493" y="60523"/>
-            <a:ext cx="307776" cy="307776"/>
+            <a:off x="1756130" y="157740"/>
+            <a:ext cx="130917" cy="113341"/>
           </a:xfrm>
           <a:prstGeom prst="ellipse">
             <a:avLst/>
           </a:prstGeom>
           <a:solidFill>
-            <a:schemeClr val="accent2"/>
+            <a:srgbClr val="FF0000"/>
           </a:solidFill>
           <a:ln>
             <a:noFill/>
@@ -6782,24 +6934,861 @@
           </a:fontRef>
         </p:style>
         <p:txBody>
-          <a:bodyPr rtlCol="0" anchor="ctr"/>
+          <a:bodyPr rot="0" spcFirstLastPara="0" vertOverflow="overflow" horzOverflow="overflow" vert="horz" wrap="square" lIns="91440" tIns="45720" rIns="91440" bIns="45720" numCol="1" spcCol="0" rtlCol="0" fromWordArt="0" anchor="ctr" anchorCtr="0" forceAA="0" compatLnSpc="1">
+            <a:noAutofit/>
+          </a:bodyPr>
           <a:lstStyle/>
           <a:p>
             <a:pPr algn="ctr"/>
-            <a:endParaRPr lang="zh-CN" altLang="en-US"/>
+            <a:endParaRPr lang="zh-CN" altLang="en-US" sz="4400"/>
+          </a:p>
+        </p:txBody>
+      </p:sp>
+      <p:grpSp>
+        <p:nvGrpSpPr>
+          <p:cNvPr id="13" name="组合 12"/>
+          <p:cNvGrpSpPr/>
+          <p:nvPr/>
+        </p:nvGrpSpPr>
+        <p:grpSpPr>
+          <a:xfrm>
+            <a:off x="910794" y="928946"/>
+            <a:ext cx="2300757" cy="509896"/>
+            <a:chOff x="888096" y="1000203"/>
+            <a:chExt cx="4259825" cy="944066"/>
+          </a:xfrm>
+        </p:grpSpPr>
+        <p:sp>
+          <p:nvSpPr>
+            <p:cNvPr id="5" name="矩形 4"/>
+            <p:cNvSpPr/>
+            <p:nvPr/>
+          </p:nvSpPr>
+          <p:spPr>
+            <a:xfrm>
+              <a:off x="911225" y="1045634"/>
+              <a:ext cx="4199467" cy="872066"/>
+            </a:xfrm>
+            <a:prstGeom prst="rect">
+              <a:avLst/>
+            </a:prstGeom>
+            <a:noFill/>
+            <a:ln>
+              <a:solidFill>
+                <a:schemeClr val="bg1">
+                  <a:lumMod val="75000"/>
+                </a:schemeClr>
+              </a:solidFill>
+            </a:ln>
+          </p:spPr>
+          <p:style>
+            <a:lnRef idx="2">
+              <a:schemeClr val="accent1">
+                <a:shade val="50000"/>
+              </a:schemeClr>
+            </a:lnRef>
+            <a:fillRef idx="1">
+              <a:schemeClr val="accent1"/>
+            </a:fillRef>
+            <a:effectRef idx="0">
+              <a:schemeClr val="accent1"/>
+            </a:effectRef>
+            <a:fontRef idx="minor">
+              <a:schemeClr val="lt1"/>
+            </a:fontRef>
+          </p:style>
+          <p:txBody>
+            <a:bodyPr rot="0" spcFirstLastPara="0" vertOverflow="overflow" horzOverflow="overflow" vert="horz" wrap="square" lIns="91440" tIns="45720" rIns="91440" bIns="45720" numCol="1" spcCol="0" rtlCol="0" fromWordArt="0" anchor="ctr" anchorCtr="0" forceAA="0" compatLnSpc="1">
+              <a:noAutofit/>
+            </a:bodyPr>
+            <a:lstStyle/>
+            <a:p>
+              <a:pPr algn="ctr"/>
+              <a:endParaRPr lang="zh-CN" altLang="en-US"/>
+            </a:p>
+          </p:txBody>
+        </p:sp>
+        <p:sp>
+          <p:nvSpPr>
+            <p:cNvPr id="6" name="椭圆 5"/>
+            <p:cNvSpPr/>
+            <p:nvPr/>
+          </p:nvSpPr>
+          <p:spPr>
+            <a:xfrm>
+              <a:off x="888096" y="1000203"/>
+              <a:ext cx="72000" cy="72000"/>
+            </a:xfrm>
+            <a:prstGeom prst="ellipse">
+              <a:avLst/>
+            </a:prstGeom>
+            <a:solidFill>
+              <a:schemeClr val="tx1">
+                <a:lumMod val="65000"/>
+                <a:lumOff val="35000"/>
+              </a:schemeClr>
+            </a:solidFill>
+            <a:ln>
+              <a:noFill/>
+            </a:ln>
+          </p:spPr>
+          <p:style>
+            <a:lnRef idx="2">
+              <a:schemeClr val="accent1">
+                <a:shade val="50000"/>
+              </a:schemeClr>
+            </a:lnRef>
+            <a:fillRef idx="1">
+              <a:schemeClr val="accent1"/>
+            </a:fillRef>
+            <a:effectRef idx="0">
+              <a:schemeClr val="accent1"/>
+            </a:effectRef>
+            <a:fontRef idx="minor">
+              <a:schemeClr val="lt1"/>
+            </a:fontRef>
+          </p:style>
+          <p:txBody>
+            <a:bodyPr rot="0" spcFirstLastPara="0" vertOverflow="overflow" horzOverflow="overflow" vert="horz" wrap="square" lIns="91440" tIns="45720" rIns="91440" bIns="45720" numCol="1" spcCol="0" rtlCol="0" fromWordArt="0" anchor="ctr" anchorCtr="0" forceAA="0" compatLnSpc="1">
+              <a:noAutofit/>
+            </a:bodyPr>
+            <a:lstStyle/>
+            <a:p>
+              <a:pPr algn="ctr"/>
+              <a:endParaRPr lang="zh-CN" altLang="en-US"/>
+            </a:p>
+          </p:txBody>
+        </p:sp>
+        <p:sp>
+          <p:nvSpPr>
+            <p:cNvPr id="7" name="椭圆 6"/>
+            <p:cNvSpPr/>
+            <p:nvPr/>
+          </p:nvSpPr>
+          <p:spPr>
+            <a:xfrm>
+              <a:off x="888096" y="1872269"/>
+              <a:ext cx="72000" cy="72000"/>
+            </a:xfrm>
+            <a:prstGeom prst="ellipse">
+              <a:avLst/>
+            </a:prstGeom>
+            <a:solidFill>
+              <a:schemeClr val="tx1">
+                <a:lumMod val="65000"/>
+                <a:lumOff val="35000"/>
+              </a:schemeClr>
+            </a:solidFill>
+            <a:ln>
+              <a:noFill/>
+            </a:ln>
+          </p:spPr>
+          <p:style>
+            <a:lnRef idx="2">
+              <a:schemeClr val="accent1">
+                <a:shade val="50000"/>
+              </a:schemeClr>
+            </a:lnRef>
+            <a:fillRef idx="1">
+              <a:schemeClr val="accent1"/>
+            </a:fillRef>
+            <a:effectRef idx="0">
+              <a:schemeClr val="accent1"/>
+            </a:effectRef>
+            <a:fontRef idx="minor">
+              <a:schemeClr val="lt1"/>
+            </a:fontRef>
+          </p:style>
+          <p:txBody>
+            <a:bodyPr rot="0" spcFirstLastPara="0" vertOverflow="overflow" horzOverflow="overflow" vert="horz" wrap="square" lIns="91440" tIns="45720" rIns="91440" bIns="45720" numCol="1" spcCol="0" rtlCol="0" fromWordArt="0" anchor="ctr" anchorCtr="0" forceAA="0" compatLnSpc="1">
+              <a:noAutofit/>
+            </a:bodyPr>
+            <a:lstStyle/>
+            <a:p>
+              <a:pPr algn="ctr"/>
+              <a:endParaRPr lang="zh-CN" altLang="en-US"/>
+            </a:p>
+          </p:txBody>
+        </p:sp>
+        <p:sp>
+          <p:nvSpPr>
+            <p:cNvPr id="8" name="椭圆 7"/>
+            <p:cNvSpPr/>
+            <p:nvPr/>
+          </p:nvSpPr>
+          <p:spPr>
+            <a:xfrm>
+              <a:off x="5075921" y="1872269"/>
+              <a:ext cx="72000" cy="72000"/>
+            </a:xfrm>
+            <a:prstGeom prst="ellipse">
+              <a:avLst/>
+            </a:prstGeom>
+            <a:solidFill>
+              <a:schemeClr val="tx1">
+                <a:lumMod val="65000"/>
+                <a:lumOff val="35000"/>
+              </a:schemeClr>
+            </a:solidFill>
+            <a:ln>
+              <a:noFill/>
+            </a:ln>
+          </p:spPr>
+          <p:style>
+            <a:lnRef idx="2">
+              <a:schemeClr val="accent1">
+                <a:shade val="50000"/>
+              </a:schemeClr>
+            </a:lnRef>
+            <a:fillRef idx="1">
+              <a:schemeClr val="accent1"/>
+            </a:fillRef>
+            <a:effectRef idx="0">
+              <a:schemeClr val="accent1"/>
+            </a:effectRef>
+            <a:fontRef idx="minor">
+              <a:schemeClr val="lt1"/>
+            </a:fontRef>
+          </p:style>
+          <p:txBody>
+            <a:bodyPr rot="0" spcFirstLastPara="0" vertOverflow="overflow" horzOverflow="overflow" vert="horz" wrap="square" lIns="91440" tIns="45720" rIns="91440" bIns="45720" numCol="1" spcCol="0" rtlCol="0" fromWordArt="0" anchor="ctr" anchorCtr="0" forceAA="0" compatLnSpc="1">
+              <a:noAutofit/>
+            </a:bodyPr>
+            <a:lstStyle/>
+            <a:p>
+              <a:pPr algn="ctr"/>
+              <a:endParaRPr lang="zh-CN" altLang="en-US"/>
+            </a:p>
+          </p:txBody>
+        </p:sp>
+        <p:sp>
+          <p:nvSpPr>
+            <p:cNvPr id="9" name="椭圆 8"/>
+            <p:cNvSpPr/>
+            <p:nvPr/>
+          </p:nvSpPr>
+          <p:spPr>
+            <a:xfrm>
+              <a:off x="5074692" y="1009634"/>
+              <a:ext cx="72000" cy="72000"/>
+            </a:xfrm>
+            <a:prstGeom prst="ellipse">
+              <a:avLst/>
+            </a:prstGeom>
+            <a:solidFill>
+              <a:schemeClr val="tx1">
+                <a:lumMod val="65000"/>
+                <a:lumOff val="35000"/>
+              </a:schemeClr>
+            </a:solidFill>
+            <a:ln>
+              <a:noFill/>
+            </a:ln>
+          </p:spPr>
+          <p:style>
+            <a:lnRef idx="2">
+              <a:schemeClr val="accent1">
+                <a:shade val="50000"/>
+              </a:schemeClr>
+            </a:lnRef>
+            <a:fillRef idx="1">
+              <a:schemeClr val="accent1"/>
+            </a:fillRef>
+            <a:effectRef idx="0">
+              <a:schemeClr val="accent1"/>
+            </a:effectRef>
+            <a:fontRef idx="minor">
+              <a:schemeClr val="lt1"/>
+            </a:fontRef>
+          </p:style>
+          <p:txBody>
+            <a:bodyPr rot="0" spcFirstLastPara="0" vertOverflow="overflow" horzOverflow="overflow" vert="horz" wrap="square" lIns="91440" tIns="45720" rIns="91440" bIns="45720" numCol="1" spcCol="0" rtlCol="0" fromWordArt="0" anchor="ctr" anchorCtr="0" forceAA="0" compatLnSpc="1">
+              <a:noAutofit/>
+            </a:bodyPr>
+            <a:lstStyle/>
+            <a:p>
+              <a:pPr algn="ctr"/>
+              <a:endParaRPr lang="zh-CN" altLang="en-US"/>
+            </a:p>
+          </p:txBody>
+        </p:sp>
+      </p:grpSp>
+      <p:sp>
+        <p:nvSpPr>
+          <p:cNvPr id="17" name="矩形 16"/>
+          <p:cNvSpPr/>
+          <p:nvPr/>
+        </p:nvSpPr>
+        <p:spPr>
+          <a:xfrm>
+            <a:off x="1478660" y="1002860"/>
+            <a:ext cx="1107996" cy="369332"/>
+          </a:xfrm>
+          <a:prstGeom prst="rect">
+            <a:avLst/>
+          </a:prstGeom>
+        </p:spPr>
+        <p:txBody>
+          <a:bodyPr wrap="none">
+            <a:spAutoFit/>
+          </a:bodyPr>
+          <a:lstStyle/>
+          <a:p>
+            <a:r>
+              <a:rPr lang="zh-CN" altLang="en-US" dirty="0">
+                <a:solidFill>
+                  <a:srgbClr val="FF0000"/>
+                </a:solidFill>
+              </a:rPr>
+              <a:t>信息查询</a:t>
+            </a:r>
+          </a:p>
+        </p:txBody>
+      </p:sp>
+      <p:pic>
+        <p:nvPicPr>
+          <p:cNvPr id="12" name="图片 11">
+            <a:extLst>
+              <a:ext uri="{FF2B5EF4-FFF2-40B4-BE49-F238E27FC236}">
+                <a16:creationId xmlns:a16="http://schemas.microsoft.com/office/drawing/2014/main" id="{505B177E-BB00-4FE1-AED7-83DEB534DA87}"/>
+              </a:ext>
+            </a:extLst>
+          </p:cNvPr>
+          <p:cNvPicPr>
+            <a:picLocks noChangeAspect="1"/>
+          </p:cNvPicPr>
+          <p:nvPr/>
+        </p:nvPicPr>
+        <p:blipFill>
+          <a:blip r:embed="rId2"/>
+          <a:stretch>
+            <a:fillRect/>
+          </a:stretch>
+        </p:blipFill>
+        <p:spPr>
+          <a:xfrm>
+            <a:off x="615447" y="2341452"/>
+            <a:ext cx="8141691" cy="2605017"/>
+          </a:xfrm>
+          <a:prstGeom prst="rect">
+            <a:avLst/>
+          </a:prstGeom>
+        </p:spPr>
+      </p:pic>
+      <p:sp>
+        <p:nvSpPr>
+          <p:cNvPr id="15" name="文本框 14">
+            <a:extLst>
+              <a:ext uri="{FF2B5EF4-FFF2-40B4-BE49-F238E27FC236}">
+                <a16:creationId xmlns:a16="http://schemas.microsoft.com/office/drawing/2014/main" id="{CDA97E53-DDB7-4417-8BAA-D3CA0115374E}"/>
+              </a:ext>
+            </a:extLst>
+          </p:cNvPr>
+          <p:cNvSpPr txBox="1"/>
+          <p:nvPr/>
+        </p:nvSpPr>
+        <p:spPr>
+          <a:xfrm>
+            <a:off x="885394" y="1776549"/>
+            <a:ext cx="6261463" cy="369332"/>
+          </a:xfrm>
+          <a:prstGeom prst="rect">
+            <a:avLst/>
+          </a:prstGeom>
+          <a:noFill/>
+        </p:spPr>
+        <p:txBody>
+          <a:bodyPr wrap="square" rtlCol="0">
+            <a:spAutoFit/>
+          </a:bodyPr>
+          <a:lstStyle/>
+          <a:p>
+            <a:r>
+              <a:rPr lang="zh-CN" altLang="en-US" dirty="0"/>
+              <a:t>利用</a:t>
+            </a:r>
+            <a:r>
+              <a:rPr lang="zh-CN" altLang="en-US" dirty="0">
+                <a:solidFill>
+                  <a:srgbClr val="FF0000"/>
+                </a:solidFill>
+              </a:rPr>
+              <a:t>字符串比较函数</a:t>
+            </a:r>
+            <a:r>
+              <a:rPr lang="en-US" altLang="zh-CN" dirty="0" err="1">
+                <a:solidFill>
+                  <a:srgbClr val="FF0000"/>
+                </a:solidFill>
+              </a:rPr>
+              <a:t>strcmp</a:t>
+            </a:r>
+            <a:r>
+              <a:rPr lang="zh-CN" altLang="en-US" dirty="0"/>
+              <a:t>找到与之匹配的项并输出</a:t>
+            </a:r>
+          </a:p>
+        </p:txBody>
+      </p:sp>
+      <p:pic>
+        <p:nvPicPr>
+          <p:cNvPr id="18" name="图片 17">
+            <a:extLst>
+              <a:ext uri="{FF2B5EF4-FFF2-40B4-BE49-F238E27FC236}">
+                <a16:creationId xmlns:a16="http://schemas.microsoft.com/office/drawing/2014/main" id="{1F9A666E-DE00-42DF-B834-38F2A2F01CD6}"/>
+              </a:ext>
+            </a:extLst>
+          </p:cNvPr>
+          <p:cNvPicPr>
+            <a:picLocks noChangeAspect="1"/>
+          </p:cNvPicPr>
+          <p:nvPr/>
+        </p:nvPicPr>
+        <p:blipFill>
+          <a:blip r:embed="rId3"/>
+          <a:stretch>
+            <a:fillRect/>
+          </a:stretch>
+        </p:blipFill>
+        <p:spPr>
+          <a:xfrm>
+            <a:off x="615447" y="5409909"/>
+            <a:ext cx="6075264" cy="989213"/>
+          </a:xfrm>
+          <a:prstGeom prst="rect">
+            <a:avLst/>
+          </a:prstGeom>
+        </p:spPr>
+      </p:pic>
+    </p:spTree>
+    <p:extLst>
+      <p:ext uri="{BB962C8B-B14F-4D97-AF65-F5344CB8AC3E}">
+        <p14:creationId xmlns:p14="http://schemas.microsoft.com/office/powerpoint/2010/main" val="1802081641"/>
+      </p:ext>
+    </p:extLst>
+  </p:cSld>
+  <p:clrMapOvr>
+    <a:masterClrMapping/>
+  </p:clrMapOvr>
+  <mc:AlternateContent xmlns:mc="http://schemas.openxmlformats.org/markup-compatibility/2006" xmlns:p14="http://schemas.microsoft.com/office/powerpoint/2010/main">
+    <mc:Choice Requires="p14">
+      <p:transition spd="med" p14:dur="700">
+        <p:fade/>
+      </p:transition>
+    </mc:Choice>
+    <mc:Fallback xmlns="">
+      <p:transition spd="med">
+        <p:fade/>
+      </p:transition>
+    </mc:Fallback>
+  </mc:AlternateContent>
+</p:sld>
+</file>
+
+<file path=ppt/slides/slide9.xml><?xml version="1.0" encoding="utf-8"?>
+<p:sld xmlns:a="http://schemas.openxmlformats.org/drawingml/2006/main" xmlns:r="http://schemas.openxmlformats.org/officeDocument/2006/relationships" xmlns:p="http://schemas.openxmlformats.org/presentationml/2006/main">
+  <p:cSld>
+    <p:spTree>
+      <p:nvGrpSpPr>
+        <p:cNvPr id="1" name=""/>
+        <p:cNvGrpSpPr/>
+        <p:nvPr/>
+      </p:nvGrpSpPr>
+      <p:grpSpPr>
+        <a:xfrm>
+          <a:off x="0" y="0"/>
+          <a:ext cx="0" cy="0"/>
+          <a:chOff x="0" y="0"/>
+          <a:chExt cx="0" cy="0"/>
+        </a:xfrm>
+      </p:grpSpPr>
+      <p:sp>
+        <p:nvSpPr>
+          <p:cNvPr id="2" name="矩形 1"/>
+          <p:cNvSpPr/>
+          <p:nvPr/>
+        </p:nvSpPr>
+        <p:spPr>
+          <a:xfrm>
+            <a:off x="0" y="60523"/>
+            <a:ext cx="902811" cy="307777"/>
+          </a:xfrm>
+          <a:prstGeom prst="rect">
+            <a:avLst/>
+          </a:prstGeom>
+        </p:spPr>
+        <p:txBody>
+          <a:bodyPr wrap="none">
+            <a:spAutoFit/>
+          </a:bodyPr>
+          <a:lstStyle/>
+          <a:p>
+            <a:r>
+              <a:rPr lang="zh-CN" altLang="en-US" sz="1400" b="1" dirty="0"/>
+              <a:t>其他功能</a:t>
+            </a:r>
           </a:p>
         </p:txBody>
       </p:sp>
       <p:sp>
         <p:nvSpPr>
-          <p:cNvPr id="7" name="矩形 6"/>
+          <p:cNvPr id="3" name="椭圆 2"/>
           <p:cNvSpPr/>
           <p:nvPr/>
         </p:nvSpPr>
         <p:spPr>
           <a:xfrm>
-            <a:off x="10902173" y="4982632"/>
-            <a:ext cx="775136" cy="246221"/>
+            <a:off x="1757150" y="157740"/>
+            <a:ext cx="130917" cy="113341"/>
+          </a:xfrm>
+          <a:prstGeom prst="ellipse">
+            <a:avLst/>
+          </a:prstGeom>
+          <a:solidFill>
+            <a:srgbClr val="FF0000"/>
+          </a:solidFill>
+          <a:ln>
+            <a:noFill/>
+          </a:ln>
+        </p:spPr>
+        <p:style>
+          <a:lnRef idx="2">
+            <a:schemeClr val="accent1">
+              <a:shade val="50000"/>
+            </a:schemeClr>
+          </a:lnRef>
+          <a:fillRef idx="1">
+            <a:schemeClr val="accent1"/>
+          </a:fillRef>
+          <a:effectRef idx="0">
+            <a:schemeClr val="accent1"/>
+          </a:effectRef>
+          <a:fontRef idx="minor">
+            <a:schemeClr val="lt1"/>
+          </a:fontRef>
+        </p:style>
+        <p:txBody>
+          <a:bodyPr rot="0" spcFirstLastPara="0" vertOverflow="overflow" horzOverflow="overflow" vert="horz" wrap="square" lIns="91440" tIns="45720" rIns="91440" bIns="45720" numCol="1" spcCol="0" rtlCol="0" fromWordArt="0" anchor="ctr" anchorCtr="0" forceAA="0" compatLnSpc="1">
+            <a:noAutofit/>
+          </a:bodyPr>
+          <a:lstStyle/>
+          <a:p>
+            <a:pPr algn="ctr"/>
+            <a:endParaRPr lang="zh-CN" altLang="en-US" sz="4400"/>
+          </a:p>
+        </p:txBody>
+      </p:sp>
+      <p:grpSp>
+        <p:nvGrpSpPr>
+          <p:cNvPr id="27" name="组合 26"/>
+          <p:cNvGrpSpPr/>
+          <p:nvPr/>
+        </p:nvGrpSpPr>
+        <p:grpSpPr>
+          <a:xfrm>
+            <a:off x="1388782" y="939005"/>
+            <a:ext cx="1819645" cy="471008"/>
+            <a:chOff x="888096" y="1000203"/>
+            <a:chExt cx="4259825" cy="944066"/>
+          </a:xfrm>
+        </p:grpSpPr>
+        <p:sp>
+          <p:nvSpPr>
+            <p:cNvPr id="28" name="矩形 27"/>
+            <p:cNvSpPr/>
+            <p:nvPr/>
+          </p:nvSpPr>
+          <p:spPr>
+            <a:xfrm>
+              <a:off x="911225" y="1045634"/>
+              <a:ext cx="4199467" cy="872066"/>
+            </a:xfrm>
+            <a:prstGeom prst="rect">
+              <a:avLst/>
+            </a:prstGeom>
+            <a:noFill/>
+            <a:ln>
+              <a:solidFill>
+                <a:schemeClr val="bg1">
+                  <a:lumMod val="75000"/>
+                </a:schemeClr>
+              </a:solidFill>
+            </a:ln>
+          </p:spPr>
+          <p:style>
+            <a:lnRef idx="2">
+              <a:schemeClr val="accent1">
+                <a:shade val="50000"/>
+              </a:schemeClr>
+            </a:lnRef>
+            <a:fillRef idx="1">
+              <a:schemeClr val="accent1"/>
+            </a:fillRef>
+            <a:effectRef idx="0">
+              <a:schemeClr val="accent1"/>
+            </a:effectRef>
+            <a:fontRef idx="minor">
+              <a:schemeClr val="lt1"/>
+            </a:fontRef>
+          </p:style>
+          <p:txBody>
+            <a:bodyPr rot="0" spcFirstLastPara="0" vertOverflow="overflow" horzOverflow="overflow" vert="horz" wrap="square" lIns="91440" tIns="45720" rIns="91440" bIns="45720" numCol="1" spcCol="0" rtlCol="0" fromWordArt="0" anchor="ctr" anchorCtr="0" forceAA="0" compatLnSpc="1">
+              <a:noAutofit/>
+            </a:bodyPr>
+            <a:lstStyle/>
+            <a:p>
+              <a:pPr algn="ctr"/>
+              <a:endParaRPr lang="zh-CN" altLang="en-US"/>
+            </a:p>
+          </p:txBody>
+        </p:sp>
+        <p:sp>
+          <p:nvSpPr>
+            <p:cNvPr id="29" name="椭圆 28"/>
+            <p:cNvSpPr/>
+            <p:nvPr/>
+          </p:nvSpPr>
+          <p:spPr>
+            <a:xfrm>
+              <a:off x="888096" y="1000203"/>
+              <a:ext cx="72000" cy="72000"/>
+            </a:xfrm>
+            <a:prstGeom prst="ellipse">
+              <a:avLst/>
+            </a:prstGeom>
+            <a:solidFill>
+              <a:schemeClr val="tx1">
+                <a:lumMod val="65000"/>
+                <a:lumOff val="35000"/>
+              </a:schemeClr>
+            </a:solidFill>
+            <a:ln>
+              <a:noFill/>
+            </a:ln>
+          </p:spPr>
+          <p:style>
+            <a:lnRef idx="2">
+              <a:schemeClr val="accent1">
+                <a:shade val="50000"/>
+              </a:schemeClr>
+            </a:lnRef>
+            <a:fillRef idx="1">
+              <a:schemeClr val="accent1"/>
+            </a:fillRef>
+            <a:effectRef idx="0">
+              <a:schemeClr val="accent1"/>
+            </a:effectRef>
+            <a:fontRef idx="minor">
+              <a:schemeClr val="lt1"/>
+            </a:fontRef>
+          </p:style>
+          <p:txBody>
+            <a:bodyPr rot="0" spcFirstLastPara="0" vertOverflow="overflow" horzOverflow="overflow" vert="horz" wrap="square" lIns="91440" tIns="45720" rIns="91440" bIns="45720" numCol="1" spcCol="0" rtlCol="0" fromWordArt="0" anchor="ctr" anchorCtr="0" forceAA="0" compatLnSpc="1">
+              <a:noAutofit/>
+            </a:bodyPr>
+            <a:lstStyle/>
+            <a:p>
+              <a:pPr algn="ctr"/>
+              <a:endParaRPr lang="zh-CN" altLang="en-US"/>
+            </a:p>
+          </p:txBody>
+        </p:sp>
+        <p:sp>
+          <p:nvSpPr>
+            <p:cNvPr id="30" name="椭圆 29"/>
+            <p:cNvSpPr/>
+            <p:nvPr/>
+          </p:nvSpPr>
+          <p:spPr>
+            <a:xfrm>
+              <a:off x="888096" y="1872269"/>
+              <a:ext cx="72000" cy="72000"/>
+            </a:xfrm>
+            <a:prstGeom prst="ellipse">
+              <a:avLst/>
+            </a:prstGeom>
+            <a:solidFill>
+              <a:schemeClr val="tx1">
+                <a:lumMod val="65000"/>
+                <a:lumOff val="35000"/>
+              </a:schemeClr>
+            </a:solidFill>
+            <a:ln>
+              <a:noFill/>
+            </a:ln>
+          </p:spPr>
+          <p:style>
+            <a:lnRef idx="2">
+              <a:schemeClr val="accent1">
+                <a:shade val="50000"/>
+              </a:schemeClr>
+            </a:lnRef>
+            <a:fillRef idx="1">
+              <a:schemeClr val="accent1"/>
+            </a:fillRef>
+            <a:effectRef idx="0">
+              <a:schemeClr val="accent1"/>
+            </a:effectRef>
+            <a:fontRef idx="minor">
+              <a:schemeClr val="lt1"/>
+            </a:fontRef>
+          </p:style>
+          <p:txBody>
+            <a:bodyPr rot="0" spcFirstLastPara="0" vertOverflow="overflow" horzOverflow="overflow" vert="horz" wrap="square" lIns="91440" tIns="45720" rIns="91440" bIns="45720" numCol="1" spcCol="0" rtlCol="0" fromWordArt="0" anchor="ctr" anchorCtr="0" forceAA="0" compatLnSpc="1">
+              <a:noAutofit/>
+            </a:bodyPr>
+            <a:lstStyle/>
+            <a:p>
+              <a:pPr algn="ctr"/>
+              <a:endParaRPr lang="zh-CN" altLang="en-US"/>
+            </a:p>
+          </p:txBody>
+        </p:sp>
+        <p:sp>
+          <p:nvSpPr>
+            <p:cNvPr id="31" name="椭圆 30"/>
+            <p:cNvSpPr/>
+            <p:nvPr/>
+          </p:nvSpPr>
+          <p:spPr>
+            <a:xfrm>
+              <a:off x="5075921" y="1872269"/>
+              <a:ext cx="72000" cy="72000"/>
+            </a:xfrm>
+            <a:prstGeom prst="ellipse">
+              <a:avLst/>
+            </a:prstGeom>
+            <a:solidFill>
+              <a:schemeClr val="tx1">
+                <a:lumMod val="65000"/>
+                <a:lumOff val="35000"/>
+              </a:schemeClr>
+            </a:solidFill>
+            <a:ln>
+              <a:noFill/>
+            </a:ln>
+          </p:spPr>
+          <p:style>
+            <a:lnRef idx="2">
+              <a:schemeClr val="accent1">
+                <a:shade val="50000"/>
+              </a:schemeClr>
+            </a:lnRef>
+            <a:fillRef idx="1">
+              <a:schemeClr val="accent1"/>
+            </a:fillRef>
+            <a:effectRef idx="0">
+              <a:schemeClr val="accent1"/>
+            </a:effectRef>
+            <a:fontRef idx="minor">
+              <a:schemeClr val="lt1"/>
+            </a:fontRef>
+          </p:style>
+          <p:txBody>
+            <a:bodyPr rot="0" spcFirstLastPara="0" vertOverflow="overflow" horzOverflow="overflow" vert="horz" wrap="square" lIns="91440" tIns="45720" rIns="91440" bIns="45720" numCol="1" spcCol="0" rtlCol="0" fromWordArt="0" anchor="ctr" anchorCtr="0" forceAA="0" compatLnSpc="1">
+              <a:noAutofit/>
+            </a:bodyPr>
+            <a:lstStyle/>
+            <a:p>
+              <a:pPr algn="ctr"/>
+              <a:endParaRPr lang="zh-CN" altLang="en-US"/>
+            </a:p>
+          </p:txBody>
+        </p:sp>
+        <p:sp>
+          <p:nvSpPr>
+            <p:cNvPr id="32" name="椭圆 31"/>
+            <p:cNvSpPr/>
+            <p:nvPr/>
+          </p:nvSpPr>
+          <p:spPr>
+            <a:xfrm>
+              <a:off x="5074692" y="1009634"/>
+              <a:ext cx="72000" cy="72000"/>
+            </a:xfrm>
+            <a:prstGeom prst="ellipse">
+              <a:avLst/>
+            </a:prstGeom>
+            <a:solidFill>
+              <a:schemeClr val="tx1">
+                <a:lumMod val="65000"/>
+                <a:lumOff val="35000"/>
+              </a:schemeClr>
+            </a:solidFill>
+            <a:ln>
+              <a:noFill/>
+            </a:ln>
+          </p:spPr>
+          <p:style>
+            <a:lnRef idx="2">
+              <a:schemeClr val="accent1">
+                <a:shade val="50000"/>
+              </a:schemeClr>
+            </a:lnRef>
+            <a:fillRef idx="1">
+              <a:schemeClr val="accent1"/>
+            </a:fillRef>
+            <a:effectRef idx="0">
+              <a:schemeClr val="accent1"/>
+            </a:effectRef>
+            <a:fontRef idx="minor">
+              <a:schemeClr val="lt1"/>
+            </a:fontRef>
+          </p:style>
+          <p:txBody>
+            <a:bodyPr rot="0" spcFirstLastPara="0" vertOverflow="overflow" horzOverflow="overflow" vert="horz" wrap="square" lIns="91440" tIns="45720" rIns="91440" bIns="45720" numCol="1" spcCol="0" rtlCol="0" fromWordArt="0" anchor="ctr" anchorCtr="0" forceAA="0" compatLnSpc="1">
+              <a:noAutofit/>
+            </a:bodyPr>
+            <a:lstStyle/>
+            <a:p>
+              <a:pPr algn="ctr"/>
+              <a:endParaRPr lang="zh-CN" altLang="en-US"/>
+            </a:p>
+          </p:txBody>
+        </p:sp>
+      </p:grpSp>
+      <p:sp>
+        <p:nvSpPr>
+          <p:cNvPr id="33" name="矩形 32"/>
+          <p:cNvSpPr/>
+          <p:nvPr/>
+        </p:nvSpPr>
+        <p:spPr>
+          <a:xfrm>
+            <a:off x="1744607" y="975893"/>
+            <a:ext cx="1107996" cy="369332"/>
+          </a:xfrm>
+          <a:prstGeom prst="rect">
+            <a:avLst/>
+          </a:prstGeom>
+        </p:spPr>
+        <p:txBody>
+          <a:bodyPr wrap="none">
+            <a:spAutoFit/>
+          </a:bodyPr>
+          <a:lstStyle/>
+          <a:p>
+            <a:r>
+              <a:rPr lang="zh-CN" altLang="en-US" dirty="0">
+                <a:solidFill>
+                  <a:srgbClr val="FF0000"/>
+                </a:solidFill>
+              </a:rPr>
+              <a:t>信息修改</a:t>
+            </a:r>
+          </a:p>
+        </p:txBody>
+      </p:sp>
+      <p:sp>
+        <p:nvSpPr>
+          <p:cNvPr id="34" name="矩形 33"/>
+          <p:cNvSpPr/>
+          <p:nvPr/>
+        </p:nvSpPr>
+        <p:spPr>
+          <a:xfrm>
+            <a:off x="1640642" y="2165202"/>
+            <a:ext cx="988872" cy="345094"/>
           </a:xfrm>
           <a:prstGeom prst="rect">
             <a:avLst/>
@@ -6811,472 +7800,346 @@
           </a:bodyPr>
           <a:lstStyle/>
           <a:p>
-            <a:pPr defTabSz="914400"/>
-            <a:r>
-              <a:rPr lang="en-US" altLang="zh-CN" sz="100" dirty="0">
+            <a:pPr>
+              <a:lnSpc>
+                <a:spcPct val="130000"/>
+              </a:lnSpc>
+            </a:pPr>
+            <a:r>
+              <a:rPr lang="zh-CN" altLang="en-US" sz="1400" dirty="0">
                 <a:solidFill>
-                  <a:prstClr val="white"/>
+                  <a:schemeClr val="bg1">
+                    <a:lumMod val="50000"/>
+                  </a:schemeClr>
                 </a:solidFill>
-                <a:latin typeface="Calibri"/>
-                <a:ea typeface="宋体"/>
+                <a:latin typeface="微软雅黑" panose="020B0503020204020204" charset="-122"/>
+                <a:ea typeface="微软雅黑" panose="020B0503020204020204" charset="-122"/>
               </a:rPr>
-              <a:t>PPT</a:t>
-            </a:r>
-            <a:r>
-              <a:rPr lang="zh-CN" altLang="en-US" sz="100" dirty="0">
-                <a:solidFill>
-                  <a:prstClr val="white"/>
-                </a:solidFill>
-                <a:latin typeface="Calibri"/>
-                <a:ea typeface="宋体"/>
-              </a:rPr>
-              <a:t>模板下载：</a:t>
-            </a:r>
-            <a:r>
-              <a:rPr lang="en-US" altLang="zh-CN" sz="100" dirty="0">
-                <a:solidFill>
-                  <a:prstClr val="white"/>
-                </a:solidFill>
-                <a:latin typeface="Calibri"/>
-                <a:ea typeface="宋体"/>
-              </a:rPr>
-              <a:t>www.1ppt.com/moban/     </a:t>
-            </a:r>
-            <a:r>
-              <a:rPr lang="zh-CN" altLang="en-US" sz="100" dirty="0">
-                <a:solidFill>
-                  <a:prstClr val="white"/>
-                </a:solidFill>
-                <a:latin typeface="Calibri"/>
-                <a:ea typeface="宋体"/>
-              </a:rPr>
-              <a:t>行业</a:t>
-            </a:r>
-            <a:r>
-              <a:rPr lang="en-US" altLang="zh-CN" sz="100" dirty="0">
-                <a:solidFill>
-                  <a:prstClr val="white"/>
-                </a:solidFill>
-                <a:latin typeface="Calibri"/>
-                <a:ea typeface="宋体"/>
-              </a:rPr>
-              <a:t>PPT</a:t>
-            </a:r>
-            <a:r>
-              <a:rPr lang="zh-CN" altLang="en-US" sz="100" dirty="0">
-                <a:solidFill>
-                  <a:prstClr val="white"/>
-                </a:solidFill>
-                <a:latin typeface="Calibri"/>
-                <a:ea typeface="宋体"/>
-              </a:rPr>
-              <a:t>模板：</a:t>
-            </a:r>
-            <a:r>
-              <a:rPr lang="en-US" altLang="zh-CN" sz="100" dirty="0">
-                <a:solidFill>
-                  <a:prstClr val="white"/>
-                </a:solidFill>
-                <a:latin typeface="Calibri"/>
-                <a:ea typeface="宋体"/>
-              </a:rPr>
-              <a:t>www.1ppt.com/hangye/ </a:t>
-            </a:r>
-          </a:p>
-          <a:p>
-            <a:pPr defTabSz="914400"/>
-            <a:r>
-              <a:rPr lang="zh-CN" altLang="en-US" sz="100" dirty="0">
-                <a:solidFill>
-                  <a:prstClr val="white"/>
-                </a:solidFill>
-                <a:latin typeface="Calibri"/>
-                <a:ea typeface="宋体"/>
-              </a:rPr>
-              <a:t>节日</a:t>
-            </a:r>
-            <a:r>
-              <a:rPr lang="en-US" altLang="zh-CN" sz="100" dirty="0">
-                <a:solidFill>
-                  <a:prstClr val="white"/>
-                </a:solidFill>
-                <a:latin typeface="Calibri"/>
-                <a:ea typeface="宋体"/>
-              </a:rPr>
-              <a:t>PPT</a:t>
-            </a:r>
-            <a:r>
-              <a:rPr lang="zh-CN" altLang="en-US" sz="100" dirty="0">
-                <a:solidFill>
-                  <a:prstClr val="white"/>
-                </a:solidFill>
-                <a:latin typeface="Calibri"/>
-                <a:ea typeface="宋体"/>
-              </a:rPr>
-              <a:t>模板：</a:t>
-            </a:r>
-            <a:r>
-              <a:rPr lang="en-US" altLang="zh-CN" sz="100" dirty="0">
-                <a:solidFill>
-                  <a:prstClr val="white"/>
-                </a:solidFill>
-                <a:latin typeface="Calibri"/>
-                <a:ea typeface="宋体"/>
-              </a:rPr>
-              <a:t>www.1ppt.com/jieri/           PPT</a:t>
-            </a:r>
-            <a:r>
-              <a:rPr lang="zh-CN" altLang="en-US" sz="100" dirty="0">
-                <a:solidFill>
-                  <a:prstClr val="white"/>
-                </a:solidFill>
-                <a:latin typeface="Calibri"/>
-                <a:ea typeface="宋体"/>
-              </a:rPr>
-              <a:t>素材下载：</a:t>
-            </a:r>
-            <a:r>
-              <a:rPr lang="en-US" altLang="zh-CN" sz="100" dirty="0">
-                <a:solidFill>
-                  <a:prstClr val="white"/>
-                </a:solidFill>
-                <a:latin typeface="Calibri"/>
-                <a:ea typeface="宋体"/>
-              </a:rPr>
-              <a:t>www.1ppt.com/sucai/</a:t>
-            </a:r>
-          </a:p>
-          <a:p>
-            <a:pPr defTabSz="914400"/>
-            <a:r>
-              <a:rPr lang="en-US" altLang="zh-CN" sz="100" dirty="0">
-                <a:solidFill>
-                  <a:prstClr val="white"/>
-                </a:solidFill>
-                <a:latin typeface="Calibri"/>
-                <a:ea typeface="宋体"/>
-              </a:rPr>
-              <a:t>PPT</a:t>
-            </a:r>
-            <a:r>
-              <a:rPr lang="zh-CN" altLang="en-US" sz="100" dirty="0">
-                <a:solidFill>
-                  <a:prstClr val="white"/>
-                </a:solidFill>
-                <a:latin typeface="Calibri"/>
-                <a:ea typeface="宋体"/>
-              </a:rPr>
-              <a:t>背景图片：</a:t>
-            </a:r>
-            <a:r>
-              <a:rPr lang="en-US" altLang="zh-CN" sz="100" dirty="0">
-                <a:solidFill>
-                  <a:prstClr val="white"/>
-                </a:solidFill>
-                <a:latin typeface="Calibri"/>
-                <a:ea typeface="宋体"/>
-              </a:rPr>
-              <a:t>www.1ppt.com/beijing/      PPT</a:t>
-            </a:r>
-            <a:r>
-              <a:rPr lang="zh-CN" altLang="en-US" sz="100" dirty="0">
-                <a:solidFill>
-                  <a:prstClr val="white"/>
-                </a:solidFill>
-                <a:latin typeface="Calibri"/>
-                <a:ea typeface="宋体"/>
-              </a:rPr>
-              <a:t>图表下载：</a:t>
-            </a:r>
-            <a:r>
-              <a:rPr lang="en-US" altLang="zh-CN" sz="100" dirty="0">
-                <a:solidFill>
-                  <a:prstClr val="white"/>
-                </a:solidFill>
-                <a:latin typeface="Calibri"/>
-                <a:ea typeface="宋体"/>
-              </a:rPr>
-              <a:t>www.1ppt.com/tubiao/      </a:t>
-            </a:r>
-          </a:p>
-          <a:p>
-            <a:pPr defTabSz="914400"/>
-            <a:r>
-              <a:rPr lang="zh-CN" altLang="en-US" sz="100" dirty="0">
-                <a:solidFill>
-                  <a:prstClr val="white"/>
-                </a:solidFill>
-                <a:latin typeface="Calibri"/>
-                <a:ea typeface="宋体"/>
-              </a:rPr>
-              <a:t>优秀</a:t>
-            </a:r>
-            <a:r>
-              <a:rPr lang="en-US" altLang="zh-CN" sz="100" dirty="0">
-                <a:solidFill>
-                  <a:prstClr val="white"/>
-                </a:solidFill>
-                <a:latin typeface="Calibri"/>
-                <a:ea typeface="宋体"/>
-              </a:rPr>
-              <a:t>PPT</a:t>
-            </a:r>
-            <a:r>
-              <a:rPr lang="zh-CN" altLang="en-US" sz="100" dirty="0">
-                <a:solidFill>
-                  <a:prstClr val="white"/>
-                </a:solidFill>
-                <a:latin typeface="Calibri"/>
-                <a:ea typeface="宋体"/>
-              </a:rPr>
-              <a:t>下载：</a:t>
-            </a:r>
-            <a:r>
-              <a:rPr lang="en-US" altLang="zh-CN" sz="100" dirty="0">
-                <a:solidFill>
-                  <a:prstClr val="white"/>
-                </a:solidFill>
-                <a:latin typeface="Calibri"/>
-                <a:ea typeface="宋体"/>
-              </a:rPr>
-              <a:t>www.1ppt.com/xiazai/        PPT</a:t>
-            </a:r>
-            <a:r>
-              <a:rPr lang="zh-CN" altLang="en-US" sz="100" dirty="0">
-                <a:solidFill>
-                  <a:prstClr val="white"/>
-                </a:solidFill>
-                <a:latin typeface="Calibri"/>
-                <a:ea typeface="宋体"/>
-              </a:rPr>
-              <a:t>教程： </a:t>
-            </a:r>
-            <a:r>
-              <a:rPr lang="en-US" altLang="zh-CN" sz="100" dirty="0">
-                <a:solidFill>
-                  <a:prstClr val="white"/>
-                </a:solidFill>
-                <a:latin typeface="Calibri"/>
-                <a:ea typeface="宋体"/>
-              </a:rPr>
-              <a:t>www.1ppt.com/powerpoint/      </a:t>
-            </a:r>
-          </a:p>
-          <a:p>
-            <a:pPr defTabSz="914400"/>
-            <a:r>
-              <a:rPr lang="en-US" altLang="zh-CN" sz="100" dirty="0">
-                <a:solidFill>
-                  <a:prstClr val="white"/>
-                </a:solidFill>
-                <a:latin typeface="Calibri"/>
-                <a:ea typeface="宋体"/>
-              </a:rPr>
-              <a:t>Word</a:t>
-            </a:r>
-            <a:r>
-              <a:rPr lang="zh-CN" altLang="en-US" sz="100" dirty="0">
-                <a:solidFill>
-                  <a:prstClr val="white"/>
-                </a:solidFill>
-                <a:latin typeface="Calibri"/>
-                <a:ea typeface="宋体"/>
-              </a:rPr>
-              <a:t>教程： </a:t>
-            </a:r>
-            <a:r>
-              <a:rPr lang="en-US" altLang="zh-CN" sz="100" dirty="0">
-                <a:solidFill>
-                  <a:prstClr val="white"/>
-                </a:solidFill>
-                <a:latin typeface="Calibri"/>
-                <a:ea typeface="宋体"/>
-              </a:rPr>
-              <a:t>www.1ppt.com/word/              Excel</a:t>
-            </a:r>
-            <a:r>
-              <a:rPr lang="zh-CN" altLang="en-US" sz="100" dirty="0">
-                <a:solidFill>
-                  <a:prstClr val="white"/>
-                </a:solidFill>
-                <a:latin typeface="Calibri"/>
-                <a:ea typeface="宋体"/>
-              </a:rPr>
-              <a:t>教程：</a:t>
-            </a:r>
-            <a:r>
-              <a:rPr lang="en-US" altLang="zh-CN" sz="100" dirty="0">
-                <a:solidFill>
-                  <a:prstClr val="white"/>
-                </a:solidFill>
-                <a:latin typeface="Calibri"/>
-                <a:ea typeface="宋体"/>
-              </a:rPr>
-              <a:t>www.1ppt.com/excel/  </a:t>
-            </a:r>
-          </a:p>
-          <a:p>
-            <a:pPr defTabSz="914400"/>
-            <a:r>
-              <a:rPr lang="zh-CN" altLang="en-US" sz="100" dirty="0">
-                <a:solidFill>
-                  <a:prstClr val="white"/>
-                </a:solidFill>
-                <a:latin typeface="Calibri"/>
-                <a:ea typeface="宋体"/>
-              </a:rPr>
-              <a:t>资料下载：</a:t>
-            </a:r>
-            <a:r>
-              <a:rPr lang="en-US" altLang="zh-CN" sz="100" dirty="0">
-                <a:solidFill>
-                  <a:prstClr val="white"/>
-                </a:solidFill>
-                <a:latin typeface="Calibri"/>
-                <a:ea typeface="宋体"/>
-              </a:rPr>
-              <a:t>www.1ppt.com/ziliao/                PPT</a:t>
-            </a:r>
-            <a:r>
-              <a:rPr lang="zh-CN" altLang="en-US" sz="100" dirty="0">
-                <a:solidFill>
-                  <a:prstClr val="white"/>
-                </a:solidFill>
-                <a:latin typeface="Calibri"/>
-                <a:ea typeface="宋体"/>
-              </a:rPr>
-              <a:t>课件下载：</a:t>
-            </a:r>
-            <a:r>
-              <a:rPr lang="en-US" altLang="zh-CN" sz="100" dirty="0">
-                <a:solidFill>
-                  <a:prstClr val="white"/>
-                </a:solidFill>
-                <a:latin typeface="Calibri"/>
-                <a:ea typeface="宋体"/>
-              </a:rPr>
-              <a:t>www.1ppt.com/kejian/ </a:t>
-            </a:r>
-          </a:p>
-          <a:p>
-            <a:pPr defTabSz="914400"/>
-            <a:r>
-              <a:rPr lang="zh-CN" altLang="en-US" sz="100" dirty="0">
-                <a:solidFill>
-                  <a:prstClr val="white"/>
-                </a:solidFill>
-                <a:latin typeface="Calibri"/>
-                <a:ea typeface="宋体"/>
-              </a:rPr>
-              <a:t>范文下载：</a:t>
-            </a:r>
-            <a:r>
-              <a:rPr lang="en-US" altLang="zh-CN" sz="100" dirty="0">
-                <a:solidFill>
-                  <a:prstClr val="white"/>
-                </a:solidFill>
-                <a:latin typeface="Calibri"/>
-                <a:ea typeface="宋体"/>
-              </a:rPr>
-              <a:t>www.1ppt.com/fanwen/             </a:t>
-            </a:r>
-            <a:r>
-              <a:rPr lang="zh-CN" altLang="en-US" sz="100" dirty="0">
-                <a:solidFill>
-                  <a:prstClr val="white"/>
-                </a:solidFill>
-                <a:latin typeface="Calibri"/>
-                <a:ea typeface="宋体"/>
-              </a:rPr>
-              <a:t>试卷下载：</a:t>
-            </a:r>
-            <a:r>
-              <a:rPr lang="en-US" altLang="zh-CN" sz="100" dirty="0">
-                <a:solidFill>
-                  <a:prstClr val="white"/>
-                </a:solidFill>
-                <a:latin typeface="Calibri"/>
-                <a:ea typeface="宋体"/>
-              </a:rPr>
-              <a:t>www.1ppt.com/shiti/  </a:t>
-            </a:r>
-          </a:p>
-          <a:p>
-            <a:pPr defTabSz="914400"/>
-            <a:r>
-              <a:rPr lang="zh-CN" altLang="en-US" sz="100" dirty="0">
-                <a:solidFill>
-                  <a:prstClr val="white"/>
-                </a:solidFill>
-                <a:latin typeface="Calibri"/>
-                <a:ea typeface="宋体"/>
-              </a:rPr>
-              <a:t>教案下载：</a:t>
-            </a:r>
-            <a:r>
-              <a:rPr lang="en-US" altLang="zh-CN" sz="100" dirty="0">
-                <a:solidFill>
-                  <a:prstClr val="white"/>
-                </a:solidFill>
-                <a:latin typeface="Calibri"/>
-                <a:ea typeface="宋体"/>
-              </a:rPr>
-              <a:t>www.1ppt.com/jiaoan/        </a:t>
-            </a:r>
-          </a:p>
-          <a:p>
-            <a:pPr defTabSz="914400"/>
-            <a:r>
-              <a:rPr lang="zh-CN" altLang="en-US" sz="100" dirty="0">
-                <a:solidFill>
-                  <a:prstClr val="white"/>
-                </a:solidFill>
-                <a:latin typeface="Calibri"/>
-                <a:ea typeface="宋体"/>
-              </a:rPr>
-              <a:t>字体下载：</a:t>
-            </a:r>
-            <a:r>
-              <a:rPr lang="en-US" altLang="zh-CN" sz="100" dirty="0">
-                <a:solidFill>
-                  <a:prstClr val="white"/>
-                </a:solidFill>
-                <a:latin typeface="Calibri"/>
-                <a:ea typeface="宋体"/>
-              </a:rPr>
-              <a:t>www.1ppt.com/ziti/</a:t>
-            </a:r>
-          </a:p>
-          <a:p>
-            <a:pPr defTabSz="914400"/>
-            <a:r>
-              <a:rPr lang="en-US" altLang="zh-CN" sz="100" dirty="0">
-                <a:solidFill>
-                  <a:prstClr val="white"/>
-                </a:solidFill>
-                <a:latin typeface="Calibri"/>
-                <a:ea typeface="宋体"/>
-              </a:rPr>
-              <a:t> </a:t>
-            </a:r>
-            <a:endParaRPr lang="zh-CN" altLang="en-US" sz="100" dirty="0">
-              <a:solidFill>
-                <a:prstClr val="white"/>
-              </a:solidFill>
-              <a:latin typeface="Calibri"/>
-              <a:ea typeface="宋体"/>
-            </a:endParaRPr>
+              <a:t>添加信息</a:t>
+            </a:r>
           </a:p>
         </p:txBody>
       </p:sp>
+      <p:sp>
+        <p:nvSpPr>
+          <p:cNvPr id="42" name="矩形 41"/>
+          <p:cNvSpPr/>
+          <p:nvPr/>
+        </p:nvSpPr>
+        <p:spPr>
+          <a:xfrm>
+            <a:off x="1757150" y="4816941"/>
+            <a:ext cx="2044103" cy="345094"/>
+          </a:xfrm>
+          <a:prstGeom prst="rect">
+            <a:avLst/>
+          </a:prstGeom>
+        </p:spPr>
+        <p:txBody>
+          <a:bodyPr wrap="square">
+            <a:spAutoFit/>
+          </a:bodyPr>
+          <a:lstStyle/>
+          <a:p>
+            <a:pPr>
+              <a:lnSpc>
+                <a:spcPct val="130000"/>
+              </a:lnSpc>
+            </a:pPr>
+            <a:r>
+              <a:rPr lang="zh-CN" altLang="en-US" sz="1400" dirty="0">
+                <a:solidFill>
+                  <a:schemeClr val="bg1">
+                    <a:lumMod val="50000"/>
+                  </a:schemeClr>
+                </a:solidFill>
+                <a:latin typeface="微软雅黑" panose="020B0503020204020204" charset="-122"/>
+                <a:ea typeface="微软雅黑" panose="020B0503020204020204" charset="-122"/>
+              </a:rPr>
+              <a:t>删除信息</a:t>
+            </a:r>
+          </a:p>
+        </p:txBody>
+      </p:sp>
+      <p:pic>
+        <p:nvPicPr>
+          <p:cNvPr id="15" name="图片 14">
+            <a:extLst>
+              <a:ext uri="{FF2B5EF4-FFF2-40B4-BE49-F238E27FC236}">
+                <a16:creationId xmlns:a16="http://schemas.microsoft.com/office/drawing/2014/main" id="{0EADE14E-05B6-4AFB-ABA8-849A14A1DB5C}"/>
+              </a:ext>
+            </a:extLst>
+          </p:cNvPr>
+          <p:cNvPicPr>
+            <a:picLocks noChangeAspect="1"/>
+          </p:cNvPicPr>
+          <p:nvPr/>
+        </p:nvPicPr>
+        <p:blipFill>
+          <a:blip r:embed="rId2"/>
+          <a:stretch>
+            <a:fillRect/>
+          </a:stretch>
+        </p:blipFill>
+        <p:spPr>
+          <a:xfrm>
+            <a:off x="4845877" y="843421"/>
+            <a:ext cx="2668041" cy="1062118"/>
+          </a:xfrm>
+          <a:prstGeom prst="rect">
+            <a:avLst/>
+          </a:prstGeom>
+        </p:spPr>
+      </p:pic>
+      <p:pic>
+        <p:nvPicPr>
+          <p:cNvPr id="43" name="图片 42">
+            <a:extLst>
+              <a:ext uri="{FF2B5EF4-FFF2-40B4-BE49-F238E27FC236}">
+                <a16:creationId xmlns:a16="http://schemas.microsoft.com/office/drawing/2014/main" id="{24F0796C-0660-434F-A41E-D61680613FFF}"/>
+              </a:ext>
+            </a:extLst>
+          </p:cNvPr>
+          <p:cNvPicPr>
+            <a:picLocks noChangeAspect="1"/>
+          </p:cNvPicPr>
+          <p:nvPr/>
+        </p:nvPicPr>
+        <p:blipFill>
+          <a:blip r:embed="rId3"/>
+          <a:stretch>
+            <a:fillRect/>
+          </a:stretch>
+        </p:blipFill>
+        <p:spPr>
+          <a:xfrm>
+            <a:off x="996990" y="2619975"/>
+            <a:ext cx="3314061" cy="1470477"/>
+          </a:xfrm>
+          <a:prstGeom prst="rect">
+            <a:avLst/>
+          </a:prstGeom>
+        </p:spPr>
+      </p:pic>
+      <p:pic>
+        <p:nvPicPr>
+          <p:cNvPr id="11" name="图片 10">
+            <a:extLst>
+              <a:ext uri="{FF2B5EF4-FFF2-40B4-BE49-F238E27FC236}">
+                <a16:creationId xmlns:a16="http://schemas.microsoft.com/office/drawing/2014/main" id="{55A7F68D-82A0-4A38-88F4-EB854CFDB1AC}"/>
+              </a:ext>
+            </a:extLst>
+          </p:cNvPr>
+          <p:cNvPicPr>
+            <a:picLocks noChangeAspect="1"/>
+          </p:cNvPicPr>
+          <p:nvPr/>
+        </p:nvPicPr>
+        <p:blipFill>
+          <a:blip r:embed="rId4"/>
+          <a:stretch>
+            <a:fillRect/>
+          </a:stretch>
+        </p:blipFill>
+        <p:spPr>
+          <a:xfrm>
+            <a:off x="999351" y="5406689"/>
+            <a:ext cx="3311700" cy="489640"/>
+          </a:xfrm>
+          <a:prstGeom prst="rect">
+            <a:avLst/>
+          </a:prstGeom>
+        </p:spPr>
+      </p:pic>
+      <p:pic>
+        <p:nvPicPr>
+          <p:cNvPr id="16" name="图片 15">
+            <a:extLst>
+              <a:ext uri="{FF2B5EF4-FFF2-40B4-BE49-F238E27FC236}">
+                <a16:creationId xmlns:a16="http://schemas.microsoft.com/office/drawing/2014/main" id="{977F9804-FEDD-4131-91A7-3D56AA807C16}"/>
+              </a:ext>
+            </a:extLst>
+          </p:cNvPr>
+          <p:cNvPicPr>
+            <a:picLocks noChangeAspect="1"/>
+          </p:cNvPicPr>
+          <p:nvPr/>
+        </p:nvPicPr>
+        <p:blipFill>
+          <a:blip r:embed="rId5"/>
+          <a:stretch>
+            <a:fillRect/>
+          </a:stretch>
+        </p:blipFill>
+        <p:spPr>
+          <a:xfrm>
+            <a:off x="4793282" y="2619975"/>
+            <a:ext cx="5230284" cy="1897626"/>
+          </a:xfrm>
+          <a:prstGeom prst="rect">
+            <a:avLst/>
+          </a:prstGeom>
+        </p:spPr>
+      </p:pic>
+      <p:sp>
+        <p:nvSpPr>
+          <p:cNvPr id="44" name="矩形 43">
+            <a:extLst>
+              <a:ext uri="{FF2B5EF4-FFF2-40B4-BE49-F238E27FC236}">
+                <a16:creationId xmlns:a16="http://schemas.microsoft.com/office/drawing/2014/main" id="{0EFAAA08-EDF1-4190-98F8-93BBDA964962}"/>
+              </a:ext>
+            </a:extLst>
+          </p:cNvPr>
+          <p:cNvSpPr/>
+          <p:nvPr/>
+        </p:nvSpPr>
+        <p:spPr>
+          <a:xfrm>
+            <a:off x="5157847" y="2165202"/>
+            <a:ext cx="2044103" cy="345094"/>
+          </a:xfrm>
+          <a:prstGeom prst="rect">
+            <a:avLst/>
+          </a:prstGeom>
+        </p:spPr>
+        <p:txBody>
+          <a:bodyPr wrap="square">
+            <a:spAutoFit/>
+          </a:bodyPr>
+          <a:lstStyle/>
+          <a:p>
+            <a:pPr>
+              <a:lnSpc>
+                <a:spcPct val="130000"/>
+              </a:lnSpc>
+            </a:pPr>
+            <a:r>
+              <a:rPr lang="zh-CN" altLang="en-US" sz="1400" dirty="0">
+                <a:solidFill>
+                  <a:schemeClr val="bg1">
+                    <a:lumMod val="50000"/>
+                  </a:schemeClr>
+                </a:solidFill>
+                <a:latin typeface="微软雅黑" panose="020B0503020204020204" charset="-122"/>
+                <a:ea typeface="微软雅黑" panose="020B0503020204020204" charset="-122"/>
+              </a:rPr>
+              <a:t>替换信息</a:t>
+            </a:r>
+          </a:p>
+        </p:txBody>
+      </p:sp>
+      <p:cxnSp>
+        <p:nvCxnSpPr>
+          <p:cNvPr id="18" name="直接连接符 17">
+            <a:extLst>
+              <a:ext uri="{FF2B5EF4-FFF2-40B4-BE49-F238E27FC236}">
+                <a16:creationId xmlns:a16="http://schemas.microsoft.com/office/drawing/2014/main" id="{45B101BF-BE77-40CF-B1C7-B5A7E4370AC3}"/>
+              </a:ext>
+            </a:extLst>
+          </p:cNvPr>
+          <p:cNvCxnSpPr>
+            <a:cxnSpLocks/>
+          </p:cNvCxnSpPr>
+          <p:nvPr/>
+        </p:nvCxnSpPr>
+        <p:spPr>
+          <a:xfrm>
+            <a:off x="902811" y="2156656"/>
+            <a:ext cx="8694035" cy="0"/>
+          </a:xfrm>
+          <a:prstGeom prst="line">
+            <a:avLst/>
+          </a:prstGeom>
+          <a:ln>
+            <a:solidFill>
+              <a:schemeClr val="bg1">
+                <a:lumMod val="65000"/>
+              </a:schemeClr>
+            </a:solidFill>
+          </a:ln>
+        </p:spPr>
+        <p:style>
+          <a:lnRef idx="1">
+            <a:schemeClr val="accent1"/>
+          </a:lnRef>
+          <a:fillRef idx="0">
+            <a:schemeClr val="accent1"/>
+          </a:fillRef>
+          <a:effectRef idx="0">
+            <a:schemeClr val="accent1"/>
+          </a:effectRef>
+          <a:fontRef idx="minor">
+            <a:schemeClr val="tx1"/>
+          </a:fontRef>
+        </p:style>
+      </p:cxnSp>
+      <p:cxnSp>
+        <p:nvCxnSpPr>
+          <p:cNvPr id="21" name="直接连接符 20">
+            <a:extLst>
+              <a:ext uri="{FF2B5EF4-FFF2-40B4-BE49-F238E27FC236}">
+                <a16:creationId xmlns:a16="http://schemas.microsoft.com/office/drawing/2014/main" id="{9E70994E-A33C-423A-99D8-D0FF6EC9CA61}"/>
+              </a:ext>
+            </a:extLst>
+          </p:cNvPr>
+          <p:cNvCxnSpPr>
+            <a:cxnSpLocks/>
+          </p:cNvCxnSpPr>
+          <p:nvPr/>
+        </p:nvCxnSpPr>
+        <p:spPr>
+          <a:xfrm>
+            <a:off x="902810" y="4816941"/>
+            <a:ext cx="8694035" cy="0"/>
+          </a:xfrm>
+          <a:prstGeom prst="line">
+            <a:avLst/>
+          </a:prstGeom>
+          <a:ln>
+            <a:solidFill>
+              <a:schemeClr val="bg1">
+                <a:lumMod val="65000"/>
+              </a:schemeClr>
+            </a:solidFill>
+          </a:ln>
+        </p:spPr>
+        <p:style>
+          <a:lnRef idx="1">
+            <a:schemeClr val="accent1"/>
+          </a:lnRef>
+          <a:fillRef idx="0">
+            <a:schemeClr val="accent1"/>
+          </a:fillRef>
+          <a:effectRef idx="0">
+            <a:schemeClr val="accent1"/>
+          </a:effectRef>
+          <a:fontRef idx="minor">
+            <a:schemeClr val="tx1"/>
+          </a:fontRef>
+        </p:style>
+      </p:cxnSp>
     </p:spTree>
+    <p:extLst>
+      <p:ext uri="{BB962C8B-B14F-4D97-AF65-F5344CB8AC3E}">
+        <p14:creationId xmlns:p14="http://schemas.microsoft.com/office/powerpoint/2010/main" val="1168299582"/>
+      </p:ext>
+    </p:extLst>
   </p:cSld>
   <p:clrMapOvr>
     <a:masterClrMapping/>
   </p:clrMapOvr>
-  <p:transition spd="slow">
-    <p:push dir="u"/>
-  </p:transition>
+  <mc:AlternateContent xmlns:mc="http://schemas.openxmlformats.org/markup-compatibility/2006" xmlns:p14="http://schemas.microsoft.com/office/powerpoint/2010/main">
+    <mc:Choice Requires="p14">
+      <p:transition spd="med" p14:dur="700">
+        <p:fade/>
+      </p:transition>
+    </mc:Choice>
+    <mc:Fallback xmlns="">
+      <p:transition spd="med">
+        <p:fade/>
+      </p:transition>
+    </mc:Fallback>
+  </mc:AlternateContent>
 </p:sld>
 </file>
 
